--- a/Classes/WebDev-01-HTML-Basic.pptx
+++ b/Classes/WebDev-01-HTML-Basic.pptx
@@ -217,7 +217,7 @@
           <a:p>
             <a:fld id="{4DB897FE-AC85-4059-92E4-10C4313254ED}" type="datetimeFigureOut">
               <a:rPr lang="en-US" smtClean="0"/>
-              <a:t>2/1/2022</a:t>
+              <a:t>9/11/2022</a:t>
             </a:fld>
             <a:endParaRPr lang="en-US"/>
           </a:p>
@@ -1874,7 +1874,7 @@
             <a:fld id="{EE425855-FD75-467C-BECD-0927F9A0E82A}" type="datetimeFigureOut">
               <a:rPr lang="es-CO" smtClean="0"/>
               <a:pPr/>
-              <a:t>1/02/2022</a:t>
+              <a:t>11/09/2022</a:t>
             </a:fld>
             <a:endParaRPr lang="es-CO"/>
           </a:p>
@@ -2199,7 +2199,7 @@
             <a:fld id="{EE425855-FD75-467C-BECD-0927F9A0E82A}" type="datetimeFigureOut">
               <a:rPr lang="es-CO" smtClean="0"/>
               <a:pPr/>
-              <a:t>1/02/2022</a:t>
+              <a:t>11/09/2022</a:t>
             </a:fld>
             <a:endParaRPr lang="es-CO"/>
           </a:p>
@@ -2437,7 +2437,7 @@
             <a:fld id="{EE425855-FD75-467C-BECD-0927F9A0E82A}" type="datetimeFigureOut">
               <a:rPr lang="es-CO" smtClean="0"/>
               <a:pPr/>
-              <a:t>1/02/2022</a:t>
+              <a:t>11/09/2022</a:t>
             </a:fld>
             <a:endParaRPr lang="es-CO"/>
           </a:p>
@@ -2668,7 +2668,7 @@
             <a:fld id="{EE425855-FD75-467C-BECD-0927F9A0E82A}" type="datetimeFigureOut">
               <a:rPr lang="es-CO" smtClean="0"/>
               <a:pPr/>
-              <a:t>1/02/2022</a:t>
+              <a:t>11/09/2022</a:t>
             </a:fld>
             <a:endParaRPr lang="es-CO"/>
           </a:p>
@@ -2899,7 +2899,7 @@
             <a:fld id="{EE425855-FD75-467C-BECD-0927F9A0E82A}" type="datetimeFigureOut">
               <a:rPr lang="es-CO" smtClean="0"/>
               <a:pPr/>
-              <a:t>1/02/2022</a:t>
+              <a:t>11/09/2022</a:t>
             </a:fld>
             <a:endParaRPr lang="es-CO"/>
           </a:p>
@@ -3180,7 +3180,7 @@
             <a:fld id="{EE425855-FD75-467C-BECD-0927F9A0E82A}" type="datetimeFigureOut">
               <a:rPr lang="es-CO" smtClean="0"/>
               <a:pPr/>
-              <a:t>1/02/2022</a:t>
+              <a:t>11/09/2022</a:t>
             </a:fld>
             <a:endParaRPr lang="es-CO"/>
           </a:p>
@@ -4712,15 +4712,10 @@
           </a:p>
           <a:p>
             <a:r>
-              <a:rPr lang="en-US" dirty="0" smtClean="0"/>
-              <a:t>headers </a:t>
-            </a:r>
-          </a:p>
-          <a:p>
-            <a:r>
-              <a:rPr lang="en-US" dirty="0" smtClean="0"/>
+              <a:rPr lang="en-US" smtClean="0"/>
               <a:t>Title</a:t>
             </a:r>
+            <a:endParaRPr lang="en-US" dirty="0" smtClean="0"/>
           </a:p>
           <a:p>
             <a:endParaRPr lang="en-US" dirty="0" smtClean="0"/>

--- a/Classes/WebDev-01-HTML-Basic.pptx
+++ b/Classes/WebDev-01-HTML-Basic.pptx
@@ -12,9 +12,9 @@
     <p:sldId id="270" r:id="rId3"/>
     <p:sldId id="271" r:id="rId4"/>
     <p:sldId id="269" r:id="rId5"/>
-    <p:sldId id="272" r:id="rId6"/>
-    <p:sldId id="273" r:id="rId7"/>
-    <p:sldId id="274" r:id="rId8"/>
+    <p:sldId id="274" r:id="rId6"/>
+    <p:sldId id="272" r:id="rId7"/>
+    <p:sldId id="273" r:id="rId8"/>
     <p:sldId id="275" r:id="rId9"/>
     <p:sldId id="262" r:id="rId10"/>
     <p:sldId id="263" r:id="rId11"/>
@@ -217,7 +217,7 @@
           <a:p>
             <a:fld id="{4DB897FE-AC85-4059-92E4-10C4313254ED}" type="datetimeFigureOut">
               <a:rPr lang="en-US" smtClean="0"/>
-              <a:t>9/11/2022</a:t>
+              <a:t>8/24/2023</a:t>
             </a:fld>
             <a:endParaRPr lang="en-US"/>
           </a:p>
@@ -281,38 +281,37 @@
           <a:p>
             <a:pPr lvl="0"/>
             <a:r>
-              <a:rPr lang="en-US" smtClean="0"/>
+              <a:rPr lang="en-US"/>
               <a:t>Click to edit Master text styles</a:t>
             </a:r>
           </a:p>
           <a:p>
             <a:pPr lvl="1"/>
             <a:r>
-              <a:rPr lang="en-US" smtClean="0"/>
+              <a:rPr lang="en-US"/>
               <a:t>Second level</a:t>
             </a:r>
           </a:p>
           <a:p>
             <a:pPr lvl="2"/>
             <a:r>
-              <a:rPr lang="en-US" smtClean="0"/>
+              <a:rPr lang="en-US"/>
               <a:t>Third level</a:t>
             </a:r>
           </a:p>
           <a:p>
             <a:pPr lvl="3"/>
             <a:r>
-              <a:rPr lang="en-US" smtClean="0"/>
+              <a:rPr lang="en-US"/>
               <a:t>Fourth level</a:t>
             </a:r>
           </a:p>
           <a:p>
             <a:pPr lvl="4"/>
             <a:r>
-              <a:rPr lang="en-US" smtClean="0"/>
+              <a:rPr lang="en-US"/>
               <a:t>Fifth level</a:t>
             </a:r>
-            <a:endParaRPr lang="en-US"/>
           </a:p>
         </p:txBody>
       </p:sp>
@@ -376,7 +375,7 @@
           <a:p>
             <a:fld id="{A73AA322-BA17-4461-B828-4227A78FA6DD}" type="slidenum">
               <a:rPr lang="en-US" smtClean="0"/>
-              <a:t>‹#›</a:t>
+              <a:t>‹Nº›</a:t>
             </a:fld>
             <a:endParaRPr lang="en-US"/>
           </a:p>
@@ -631,7 +630,7 @@
               <a:defRPr/>
             </a:pPr>
             <a:r>
-              <a:rPr lang="en-US" sz="1200" b="1" i="0" kern="1200" dirty="0" err="1" smtClean="0">
+              <a:rPr lang="en-US" sz="1200" b="1" i="0" kern="1200" dirty="0" err="1">
                 <a:solidFill>
                   <a:schemeClr val="tx1"/>
                 </a:solidFill>
@@ -643,7 +642,7 @@
               <a:t>Significado</a:t>
             </a:r>
             <a:r>
-              <a:rPr lang="en-US" sz="1200" b="1" i="0" kern="1200" dirty="0" smtClean="0">
+              <a:rPr lang="en-US" sz="1200" b="1" i="0" kern="1200" dirty="0">
                 <a:solidFill>
                   <a:schemeClr val="tx1"/>
                 </a:solidFill>
@@ -657,16 +656,16 @@
           </a:p>
           <a:p>
             <a:r>
-              <a:rPr lang="en-US" dirty="0" smtClean="0"/>
+              <a:rPr lang="en-US" dirty="0"/>
               <a:t>https://www.significados.com/http/</a:t>
             </a:r>
           </a:p>
           <a:p>
-            <a:endParaRPr lang="en-US" dirty="0" smtClean="0"/>
-          </a:p>
-          <a:p>
-            <a:r>
-              <a:rPr lang="es-ES" sz="1200" b="0" i="0" kern="1200" dirty="0" smtClean="0">
+            <a:endParaRPr lang="en-US" dirty="0"/>
+          </a:p>
+          <a:p>
+            <a:r>
+              <a:rPr lang="es-ES" sz="1200" b="0" i="0" kern="1200" dirty="0">
                 <a:solidFill>
                   <a:schemeClr val="tx1"/>
                 </a:solidFill>
@@ -678,7 +677,7 @@
               <a:t>El HTTP es una de las </a:t>
             </a:r>
             <a:r>
-              <a:rPr lang="es-ES" sz="1200" b="1" i="0" kern="1200" dirty="0" smtClean="0">
+              <a:rPr lang="es-ES" sz="1200" b="1" i="0" kern="1200" dirty="0">
                 <a:solidFill>
                   <a:schemeClr val="tx1"/>
                 </a:solidFill>
@@ -690,7 +689,7 @@
               <a:t>3 tecnologías básicas desarrolladas para la creación de la web</a:t>
             </a:r>
             <a:r>
-              <a:rPr lang="es-ES" sz="1200" b="0" i="0" kern="1200" dirty="0" smtClean="0">
+              <a:rPr lang="es-ES" sz="1200" b="0" i="0" kern="1200" dirty="0">
                 <a:solidFill>
                   <a:schemeClr val="tx1"/>
                 </a:solidFill>
@@ -702,7 +701,7 @@
               <a:t> en el año 1990 por Tim </a:t>
             </a:r>
             <a:r>
-              <a:rPr lang="es-ES" sz="1200" b="0" i="0" kern="1200" dirty="0" err="1" smtClean="0">
+              <a:rPr lang="es-ES" sz="1200" b="0" i="0" kern="1200" dirty="0" err="1">
                 <a:solidFill>
                   <a:schemeClr val="tx1"/>
                 </a:solidFill>
@@ -714,7 +713,7 @@
               <a:t>Berners</a:t>
             </a:r>
             <a:r>
-              <a:rPr lang="es-ES" sz="1200" b="0" i="0" kern="1200" dirty="0" smtClean="0">
+              <a:rPr lang="es-ES" sz="1200" b="0" i="0" kern="1200" dirty="0">
                 <a:solidFill>
                   <a:schemeClr val="tx1"/>
                 </a:solidFill>
@@ -827,7 +826,7 @@
               <a:defRPr/>
             </a:pPr>
             <a:r>
-              <a:rPr lang="en-US" sz="1200" b="1" i="0" kern="1200" dirty="0" err="1" smtClean="0">
+              <a:rPr lang="en-US" sz="1200" b="1" i="0" kern="1200" dirty="0" err="1">
                 <a:solidFill>
                   <a:schemeClr val="tx1"/>
                 </a:solidFill>
@@ -839,7 +838,7 @@
               <a:t>Qué</a:t>
             </a:r>
             <a:r>
-              <a:rPr lang="en-US" sz="1200" b="1" i="0" kern="1200" dirty="0" smtClean="0">
+              <a:rPr lang="en-US" sz="1200" b="1" i="0" kern="1200" dirty="0">
                 <a:solidFill>
                   <a:schemeClr val="tx1"/>
                 </a:solidFill>
@@ -851,7 +850,7 @@
               <a:t> </a:t>
             </a:r>
             <a:r>
-              <a:rPr lang="en-US" sz="1200" b="1" i="0" kern="1200" dirty="0" err="1" smtClean="0">
+              <a:rPr lang="en-US" sz="1200" b="1" i="0" kern="1200" dirty="0" err="1">
                 <a:solidFill>
                   <a:schemeClr val="tx1"/>
                 </a:solidFill>
@@ -863,7 +862,7 @@
               <a:t>es</a:t>
             </a:r>
             <a:r>
-              <a:rPr lang="en-US" sz="1200" b="1" i="0" kern="1200" dirty="0" smtClean="0">
+              <a:rPr lang="en-US" sz="1200" b="1" i="0" kern="1200" dirty="0">
                 <a:solidFill>
                   <a:schemeClr val="tx1"/>
                 </a:solidFill>
@@ -875,7 +874,7 @@
               <a:t> URL</a:t>
             </a:r>
             <a:r>
-              <a:rPr lang="en-US" b="1" dirty="0" smtClean="0"/>
+              <a:rPr lang="en-US" b="1" dirty="0"/>
               <a:t>?</a:t>
             </a:r>
           </a:p>
@@ -898,7 +897,7 @@
               <a:defRPr/>
             </a:pPr>
             <a:r>
-              <a:rPr lang="en-US" b="0" dirty="0" smtClean="0"/>
+              <a:rPr lang="en-US" b="0" dirty="0"/>
               <a:t>https://www.significados.com/url/</a:t>
             </a:r>
           </a:p>
@@ -920,7 +919,7 @@
               <a:tabLst/>
               <a:defRPr/>
             </a:pPr>
-            <a:endParaRPr lang="en-US" b="0" dirty="0" smtClean="0"/>
+            <a:endParaRPr lang="en-US" b="0" dirty="0"/>
           </a:p>
           <a:p>
             <a:pPr marL="0" marR="0" lvl="0" indent="0" algn="l" defTabSz="914400" rtl="0" eaLnBrk="1" fontAlgn="auto" latinLnBrk="0" hangingPunct="1">
@@ -941,18 +940,18 @@
               <a:defRPr/>
             </a:pPr>
             <a:r>
-              <a:rPr lang="es-ES" dirty="0" smtClean="0"/>
+              <a:rPr lang="es-ES" dirty="0"/>
               <a:t>Así, hay un URL para cada uno de los recursos (páginas, sitios, documentos, archivos, carpetas) que hay en la </a:t>
             </a:r>
             <a:r>
-              <a:rPr lang="es-ES" dirty="0" err="1" smtClean="0"/>
+              <a:rPr lang="es-ES" dirty="0" err="1"/>
               <a:t>World</a:t>
             </a:r>
             <a:r>
-              <a:rPr lang="es-ES" dirty="0" smtClean="0"/>
+              <a:rPr lang="es-ES" dirty="0"/>
               <a:t> Wide Web.</a:t>
             </a:r>
-            <a:endParaRPr lang="en-US" dirty="0" smtClean="0"/>
+            <a:endParaRPr lang="en-US" dirty="0"/>
           </a:p>
           <a:p>
             <a:pPr marL="0" marR="0" lvl="0" indent="0" algn="l" defTabSz="914400" rtl="0" eaLnBrk="1" fontAlgn="auto" latinLnBrk="0" hangingPunct="1">
@@ -972,7 +971,7 @@
               <a:tabLst/>
               <a:defRPr/>
             </a:pPr>
-            <a:endParaRPr lang="en-US" b="0" dirty="0" smtClean="0"/>
+            <a:endParaRPr lang="en-US" b="0" dirty="0"/>
           </a:p>
           <a:p>
             <a:pPr marL="0" marR="0" lvl="0" indent="0" algn="l" defTabSz="914400" rtl="0" eaLnBrk="1" fontAlgn="auto" latinLnBrk="0" hangingPunct="1">
@@ -993,7 +992,7 @@
               <a:defRPr/>
             </a:pPr>
             <a:r>
-              <a:rPr lang="es-ES" sz="1200" b="0" i="0" kern="1200" dirty="0" smtClean="0">
+              <a:rPr lang="es-ES" sz="1200" b="0" i="0" kern="1200" dirty="0">
                 <a:solidFill>
                   <a:schemeClr val="tx1"/>
                 </a:solidFill>
@@ -1005,7 +1004,7 @@
               <a:t>El URL fue creado por </a:t>
             </a:r>
             <a:r>
-              <a:rPr lang="es-ES" sz="1200" b="1" i="0" kern="1200" dirty="0" smtClean="0">
+              <a:rPr lang="es-ES" sz="1200" b="1" i="0" kern="1200" dirty="0">
                 <a:solidFill>
                   <a:schemeClr val="tx1"/>
                 </a:solidFill>
@@ -1017,7 +1016,7 @@
               <a:t>Tim </a:t>
             </a:r>
             <a:r>
-              <a:rPr lang="es-ES" sz="1200" b="1" i="0" kern="1200" dirty="0" err="1" smtClean="0">
+              <a:rPr lang="es-ES" sz="1200" b="1" i="0" kern="1200" dirty="0" err="1">
                 <a:solidFill>
                   <a:schemeClr val="tx1"/>
                 </a:solidFill>
@@ -1029,7 +1028,7 @@
               <a:t>Berners</a:t>
             </a:r>
             <a:r>
-              <a:rPr lang="es-ES" sz="1200" b="1" i="0" kern="1200" dirty="0" smtClean="0">
+              <a:rPr lang="es-ES" sz="1200" b="1" i="0" kern="1200" dirty="0">
                 <a:solidFill>
                   <a:schemeClr val="tx1"/>
                 </a:solidFill>
@@ -1041,7 +1040,7 @@
               <a:t>-Lee</a:t>
             </a:r>
             <a:r>
-              <a:rPr lang="es-ES" sz="1200" b="0" i="0" kern="1200" dirty="0" smtClean="0">
+              <a:rPr lang="es-ES" sz="1200" b="0" i="0" kern="1200" dirty="0">
                 <a:solidFill>
                   <a:schemeClr val="tx1"/>
                 </a:solidFill>
@@ -1053,7 +1052,7 @@
               <a:t> y usado por primera vez en 1991. No obstante, a partir de 1994, el concepto de URI (</a:t>
             </a:r>
             <a:r>
-              <a:rPr lang="es-ES" sz="1200" b="0" i="1" kern="1200" dirty="0" err="1" smtClean="0">
+              <a:rPr lang="es-ES" sz="1200" b="0" i="1" kern="1200" dirty="0" err="1">
                 <a:solidFill>
                   <a:schemeClr val="tx1"/>
                 </a:solidFill>
@@ -1065,7 +1064,7 @@
               <a:t>Uniform</a:t>
             </a:r>
             <a:r>
-              <a:rPr lang="es-ES" sz="1200" b="0" i="1" kern="1200" dirty="0" smtClean="0">
+              <a:rPr lang="es-ES" sz="1200" b="0" i="1" kern="1200" dirty="0">
                 <a:solidFill>
                   <a:schemeClr val="tx1"/>
                 </a:solidFill>
@@ -1077,7 +1076,7 @@
               <a:t> </a:t>
             </a:r>
             <a:r>
-              <a:rPr lang="es-ES" sz="1200" b="0" i="1" kern="1200" dirty="0" err="1" smtClean="0">
+              <a:rPr lang="es-ES" sz="1200" b="0" i="1" kern="1200" dirty="0" err="1">
                 <a:solidFill>
                   <a:schemeClr val="tx1"/>
                 </a:solidFill>
@@ -1089,7 +1088,7 @@
               <a:t>Resource</a:t>
             </a:r>
             <a:r>
-              <a:rPr lang="es-ES" sz="1200" b="0" i="1" kern="1200" dirty="0" smtClean="0">
+              <a:rPr lang="es-ES" sz="1200" b="0" i="1" kern="1200" dirty="0">
                 <a:solidFill>
                   <a:schemeClr val="tx1"/>
                 </a:solidFill>
@@ -1101,7 +1100,7 @@
               <a:t> </a:t>
             </a:r>
             <a:r>
-              <a:rPr lang="es-ES" sz="1200" b="0" i="1" kern="1200" dirty="0" err="1" smtClean="0">
+              <a:rPr lang="es-ES" sz="1200" b="0" i="1" kern="1200" dirty="0" err="1">
                 <a:solidFill>
                   <a:schemeClr val="tx1"/>
                 </a:solidFill>
@@ -1113,7 +1112,7 @@
               <a:t>Identifier</a:t>
             </a:r>
             <a:r>
-              <a:rPr lang="es-ES" sz="1200" b="0" i="0" kern="1200" dirty="0" smtClean="0">
+              <a:rPr lang="es-ES" sz="1200" b="0" i="0" kern="1200" dirty="0">
                 <a:solidFill>
                   <a:schemeClr val="tx1"/>
                 </a:solidFill>
@@ -1143,7 +1142,7 @@
               <a:tabLst/>
               <a:defRPr/>
             </a:pPr>
-            <a:endParaRPr lang="es-ES" sz="1200" b="0" i="0" kern="1200" dirty="0" smtClean="0">
+            <a:endParaRPr lang="es-ES" sz="1200" b="0" i="0" kern="1200" dirty="0">
               <a:solidFill>
                 <a:schemeClr val="tx1"/>
               </a:solidFill>
@@ -1156,7 +1155,7 @@
           <a:p>
             <a:pPr fontAlgn="t"/>
             <a:r>
-              <a:rPr lang="es-ES" sz="1200" b="0" i="0" kern="1200" dirty="0" smtClean="0">
+              <a:rPr lang="es-ES" sz="1200" b="0" i="0" kern="1200" dirty="0">
                 <a:solidFill>
                   <a:schemeClr val="tx1"/>
                 </a:solidFill>
@@ -1168,7 +1167,7 @@
               <a:t>La web es el </a:t>
             </a:r>
             <a:r>
-              <a:rPr lang="es-ES" sz="1200" b="1" i="0" kern="1200" dirty="0" smtClean="0">
+              <a:rPr lang="es-ES" sz="1200" b="1" i="0" kern="1200" dirty="0">
                 <a:solidFill>
                   <a:schemeClr val="tx1"/>
                 </a:solidFill>
@@ -1180,7 +1179,7 @@
               <a:t>diminutivo de </a:t>
             </a:r>
             <a:r>
-              <a:rPr lang="es-ES" sz="1200" b="1" i="1" kern="1200" dirty="0" err="1" smtClean="0">
+              <a:rPr lang="es-ES" sz="1200" b="1" i="1" kern="1200" dirty="0" err="1">
                 <a:solidFill>
                   <a:schemeClr val="tx1"/>
                 </a:solidFill>
@@ -1192,7 +1191,7 @@
               <a:t>world</a:t>
             </a:r>
             <a:r>
-              <a:rPr lang="es-ES" sz="1200" b="1" i="1" kern="1200" dirty="0" smtClean="0">
+              <a:rPr lang="es-ES" sz="1200" b="1" i="1" kern="1200" dirty="0">
                 <a:solidFill>
                   <a:schemeClr val="tx1"/>
                 </a:solidFill>
@@ -1204,7 +1203,7 @@
               <a:t> </a:t>
             </a:r>
             <a:r>
-              <a:rPr lang="es-ES" sz="1200" b="1" i="1" kern="1200" dirty="0" err="1" smtClean="0">
+              <a:rPr lang="es-ES" sz="1200" b="1" i="1" kern="1200" dirty="0" err="1">
                 <a:solidFill>
                   <a:schemeClr val="tx1"/>
                 </a:solidFill>
@@ -1216,7 +1215,7 @@
               <a:t>wide</a:t>
             </a:r>
             <a:r>
-              <a:rPr lang="es-ES" sz="1200" b="1" i="1" kern="1200" dirty="0" smtClean="0">
+              <a:rPr lang="es-ES" sz="1200" b="1" i="1" kern="1200" dirty="0">
                 <a:solidFill>
                   <a:schemeClr val="tx1"/>
                 </a:solidFill>
@@ -1228,7 +1227,7 @@
               <a:t> web</a:t>
             </a:r>
             <a:r>
-              <a:rPr lang="es-ES" sz="1200" b="1" i="0" kern="1200" dirty="0" smtClean="0">
+              <a:rPr lang="es-ES" sz="1200" b="1" i="0" kern="1200" dirty="0">
                 <a:solidFill>
                   <a:schemeClr val="tx1"/>
                 </a:solidFill>
@@ -1240,7 +1239,7 @@
               <a:t> o www</a:t>
             </a:r>
             <a:r>
-              <a:rPr lang="es-ES" sz="1200" b="0" i="0" kern="1200" dirty="0" smtClean="0">
+              <a:rPr lang="es-ES" sz="1200" b="0" i="0" kern="1200" dirty="0">
                 <a:solidFill>
                   <a:schemeClr val="tx1"/>
                 </a:solidFill>
@@ -1252,7 +1251,7 @@
               <a:t> cuyas tecnologías para su funcionamiento (HTML, URL, HTTP) fueron desarrolladas en el año 1990 por Tim </a:t>
             </a:r>
             <a:r>
-              <a:rPr lang="es-ES" sz="1200" b="0" i="0" kern="1200" dirty="0" err="1" smtClean="0">
+              <a:rPr lang="es-ES" sz="1200" b="0" i="0" kern="1200" dirty="0" err="1">
                 <a:solidFill>
                   <a:schemeClr val="tx1"/>
                 </a:solidFill>
@@ -1264,7 +1263,7 @@
               <a:t>Berners</a:t>
             </a:r>
             <a:r>
-              <a:rPr lang="es-ES" sz="1200" b="0" i="0" kern="1200" dirty="0" smtClean="0">
+              <a:rPr lang="es-ES" sz="1200" b="0" i="0" kern="1200" dirty="0">
                 <a:solidFill>
                   <a:schemeClr val="tx1"/>
                 </a:solidFill>
@@ -1276,7 +1275,7 @@
               <a:t> Lee. Para usar la web es necesario tener </a:t>
             </a:r>
             <a:r>
-              <a:rPr lang="es-ES" sz="1200" b="1" i="0" kern="1200" dirty="0" smtClean="0">
+              <a:rPr lang="es-ES" sz="1200" b="1" i="0" kern="1200" dirty="0">
                 <a:solidFill>
                   <a:schemeClr val="tx1"/>
                 </a:solidFill>
@@ -1288,7 +1287,7 @@
               <a:t>acceso a internet y un navegador web</a:t>
             </a:r>
             <a:r>
-              <a:rPr lang="es-ES" sz="1200" b="0" i="0" kern="1200" dirty="0" smtClean="0">
+              <a:rPr lang="es-ES" sz="1200" b="0" i="0" kern="1200" dirty="0">
                 <a:solidFill>
                   <a:schemeClr val="tx1"/>
                 </a:solidFill>
@@ -1404,7 +1403,7 @@
           <a:p>
             <a:pPr fontAlgn="t"/>
             <a:r>
-              <a:rPr lang="es-ES" sz="1200" b="1" i="0" kern="1200" dirty="0" smtClean="0">
+              <a:rPr lang="es-ES" sz="1200" b="1" i="0" kern="1200" dirty="0">
                 <a:solidFill>
                   <a:schemeClr val="tx1"/>
                 </a:solidFill>
@@ -1419,7 +1418,7 @@
           <a:p>
             <a:pPr fontAlgn="t"/>
             <a:r>
-              <a:rPr lang="es-ES" sz="1200" b="0" i="0" kern="1200" dirty="0" smtClean="0">
+              <a:rPr lang="es-ES" sz="1200" b="0" i="0" kern="1200" dirty="0">
                 <a:solidFill>
                   <a:schemeClr val="tx1"/>
                 </a:solidFill>
@@ -1431,7 +1430,7 @@
               <a:t>El hipertexto, por otro lado, es un conjunto estructurado de textos, gráficos, imágenes o sonidos unidos entre sí por enlaces o vínculos (</a:t>
             </a:r>
             <a:r>
-              <a:rPr lang="es-ES" sz="1200" b="0" i="1" kern="1200" dirty="0" smtClean="0">
+              <a:rPr lang="es-ES" sz="1200" b="0" i="1" kern="1200" dirty="0">
                 <a:solidFill>
                   <a:schemeClr val="tx1"/>
                 </a:solidFill>
@@ -1443,7 +1442,7 @@
               <a:t>links</a:t>
             </a:r>
             <a:r>
-              <a:rPr lang="es-ES" sz="1200" b="0" i="0" kern="1200" dirty="0" smtClean="0">
+              <a:rPr lang="es-ES" sz="1200" b="0" i="0" kern="1200" dirty="0">
                 <a:solidFill>
                   <a:schemeClr val="tx1"/>
                 </a:solidFill>
@@ -1456,40 +1455,39 @@
             </a:r>
           </a:p>
           <a:p>
-            <a:endParaRPr lang="en-US" dirty="0" smtClean="0"/>
-          </a:p>
-          <a:p>
-            <a:r>
-              <a:rPr lang="en-US" b="1" dirty="0" smtClean="0"/>
+            <a:endParaRPr lang="en-US" dirty="0"/>
+          </a:p>
+          <a:p>
+            <a:r>
+              <a:rPr lang="en-US" b="1" dirty="0"/>
               <a:t>Que </a:t>
             </a:r>
             <a:r>
-              <a:rPr lang="en-US" b="1" dirty="0" err="1" smtClean="0"/>
+              <a:rPr lang="en-US" b="1" dirty="0" err="1"/>
               <a:t>es</a:t>
             </a:r>
             <a:r>
-              <a:rPr lang="en-US" b="1" dirty="0" smtClean="0"/>
+              <a:rPr lang="en-US" b="1" dirty="0"/>
               <a:t> HTML?</a:t>
             </a:r>
           </a:p>
           <a:p>
             <a:r>
-              <a:rPr lang="en-US" dirty="0" smtClean="0"/>
+              <a:rPr lang="en-US" dirty="0"/>
               <a:t>https://www.significados.com/html/</a:t>
             </a:r>
           </a:p>
           <a:p>
             <a:r>
-              <a:rPr lang="en-US" dirty="0" smtClean="0"/>
+              <a:rPr lang="en-US" dirty="0"/>
               <a:t>https://developer.mozilla.org/es/docs/Web/HTML</a:t>
             </a:r>
           </a:p>
           <a:p>
             <a:r>
-              <a:rPr lang="en-US" dirty="0" smtClean="0"/>
+              <a:rPr lang="en-US" dirty="0"/>
               <a:t>https://es.wikipedia.org/wiki/HTML</a:t>
             </a:r>
-            <a:endParaRPr lang="en-US" dirty="0"/>
           </a:p>
         </p:txBody>
       </p:sp>
@@ -1594,7 +1592,7 @@
           <a:p>
             <a:fld id="{A73AA322-BA17-4461-B828-4227A78FA6DD}" type="slidenum">
               <a:rPr lang="en-US" smtClean="0"/>
-              <a:t>5</a:t>
+              <a:t>6</a:t>
             </a:fld>
             <a:endParaRPr lang="en-US"/>
           </a:p>
@@ -1730,7 +1728,7 @@
           </a:lstStyle>
           <a:p>
             <a:r>
-              <a:rPr lang="en-US" smtClean="0"/>
+              <a:rPr lang="en-US"/>
               <a:t>Click to edit Master title style</a:t>
             </a:r>
             <a:endParaRPr lang="es-CO"/>
@@ -1849,7 +1847,7 @@
           </a:lstStyle>
           <a:p>
             <a:r>
-              <a:rPr lang="en-US" smtClean="0"/>
+              <a:rPr lang="en-US"/>
               <a:t>Click to edit Master subtitle style</a:t>
             </a:r>
             <a:endParaRPr lang="es-CO"/>
@@ -1874,7 +1872,7 @@
             <a:fld id="{EE425855-FD75-467C-BECD-0927F9A0E82A}" type="datetimeFigureOut">
               <a:rPr lang="es-CO" smtClean="0"/>
               <a:pPr/>
-              <a:t>11/09/2022</a:t>
+              <a:t>24/08/2023</a:t>
             </a:fld>
             <a:endParaRPr lang="es-CO"/>
           </a:p>
@@ -1917,7 +1915,7 @@
             <a:fld id="{E5D669A4-F8EA-4CFD-8D90-0DDD4F3E3638}" type="slidenum">
               <a:rPr lang="es-CO" smtClean="0"/>
               <a:pPr/>
-              <a:t>‹#›</a:t>
+              <a:t>‹Nº›</a:t>
             </a:fld>
             <a:endParaRPr lang="es-CO"/>
           </a:p>
@@ -1928,13 +1926,6 @@
   <p:clrMapOvr>
     <a:masterClrMapping/>
   </p:clrMapOvr>
-  <p:timing>
-    <p:tnLst>
-      <p:par>
-        <p:cTn id="1" dur="indefinite" restart="never" nodeType="tmRoot"/>
-      </p:par>
-    </p:tnLst>
-  </p:timing>
 </p:sldLayout>
 </file>
 
@@ -2055,7 +2046,7 @@
           </a:lstStyle>
           <a:p>
             <a:r>
-              <a:rPr lang="en-US" smtClean="0"/>
+              <a:rPr lang="en-US"/>
               <a:t>Click to edit Master title style</a:t>
             </a:r>
             <a:endParaRPr lang="es-CO"/>
@@ -2174,7 +2165,7 @@
           </a:lstStyle>
           <a:p>
             <a:r>
-              <a:rPr lang="en-US" smtClean="0"/>
+              <a:rPr lang="en-US"/>
               <a:t>Click to edit Master subtitle style</a:t>
             </a:r>
             <a:endParaRPr lang="es-CO"/>
@@ -2199,7 +2190,7 @@
             <a:fld id="{EE425855-FD75-467C-BECD-0927F9A0E82A}" type="datetimeFigureOut">
               <a:rPr lang="es-CO" smtClean="0"/>
               <a:pPr/>
-              <a:t>11/09/2022</a:t>
+              <a:t>24/08/2023</a:t>
             </a:fld>
             <a:endParaRPr lang="es-CO"/>
           </a:p>
@@ -2242,7 +2233,7 @@
             <a:fld id="{E5D669A4-F8EA-4CFD-8D90-0DDD4F3E3638}" type="slidenum">
               <a:rPr lang="es-CO" smtClean="0"/>
               <a:pPr/>
-              <a:t>‹#›</a:t>
+              <a:t>‹Nº›</a:t>
             </a:fld>
             <a:endParaRPr lang="es-CO"/>
           </a:p>
@@ -2253,13 +2244,6 @@
   <p:clrMapOvr>
     <a:masterClrMapping/>
   </p:clrMapOvr>
-  <p:timing>
-    <p:tnLst>
-      <p:par>
-        <p:cTn id="1" dur="indefinite" restart="never" nodeType="tmRoot"/>
-      </p:par>
-    </p:tnLst>
-  </p:timing>
 </p:sldLayout>
 </file>
 
@@ -2360,7 +2344,7 @@
           <a:lstStyle/>
           <a:p>
             <a:r>
-              <a:rPr lang="en-US" smtClean="0"/>
+              <a:rPr lang="en-US"/>
               <a:t>Click to edit Master title style</a:t>
             </a:r>
             <a:endParaRPr lang="es-CO"/>
@@ -2384,35 +2368,35 @@
           <a:p>
             <a:pPr lvl="0"/>
             <a:r>
-              <a:rPr lang="en-US" smtClean="0"/>
+              <a:rPr lang="en-US"/>
               <a:t>Click to edit Master text styles</a:t>
             </a:r>
           </a:p>
           <a:p>
             <a:pPr lvl="1"/>
             <a:r>
-              <a:rPr lang="en-US" smtClean="0"/>
+              <a:rPr lang="en-US"/>
               <a:t>Second level</a:t>
             </a:r>
           </a:p>
           <a:p>
             <a:pPr lvl="2"/>
             <a:r>
-              <a:rPr lang="en-US" smtClean="0"/>
+              <a:rPr lang="en-US"/>
               <a:t>Third level</a:t>
             </a:r>
           </a:p>
           <a:p>
             <a:pPr lvl="3"/>
             <a:r>
-              <a:rPr lang="en-US" smtClean="0"/>
+              <a:rPr lang="en-US"/>
               <a:t>Fourth level</a:t>
             </a:r>
           </a:p>
           <a:p>
             <a:pPr lvl="4"/>
             <a:r>
-              <a:rPr lang="en-US" smtClean="0"/>
+              <a:rPr lang="en-US"/>
               <a:t>Fifth level</a:t>
             </a:r>
             <a:endParaRPr lang="es-CO"/>
@@ -2437,7 +2421,7 @@
             <a:fld id="{EE425855-FD75-467C-BECD-0927F9A0E82A}" type="datetimeFigureOut">
               <a:rPr lang="es-CO" smtClean="0"/>
               <a:pPr/>
-              <a:t>11/09/2022</a:t>
+              <a:t>24/08/2023</a:t>
             </a:fld>
             <a:endParaRPr lang="es-CO"/>
           </a:p>
@@ -2480,7 +2464,7 @@
             <a:fld id="{E5D669A4-F8EA-4CFD-8D90-0DDD4F3E3638}" type="slidenum">
               <a:rPr lang="es-CO" smtClean="0"/>
               <a:pPr/>
-              <a:t>‹#›</a:t>
+              <a:t>‹Nº›</a:t>
             </a:fld>
             <a:endParaRPr lang="es-CO"/>
           </a:p>
@@ -2591,7 +2575,7 @@
           <a:lstStyle/>
           <a:p>
             <a:r>
-              <a:rPr lang="en-US" smtClean="0"/>
+              <a:rPr lang="en-US"/>
               <a:t>Click to edit Master title style</a:t>
             </a:r>
             <a:endParaRPr lang="es-CO"/>
@@ -2615,35 +2599,35 @@
           <a:p>
             <a:pPr lvl="0"/>
             <a:r>
-              <a:rPr lang="en-US" smtClean="0"/>
+              <a:rPr lang="en-US"/>
               <a:t>Click to edit Master text styles</a:t>
             </a:r>
           </a:p>
           <a:p>
             <a:pPr lvl="1"/>
             <a:r>
-              <a:rPr lang="en-US" smtClean="0"/>
+              <a:rPr lang="en-US"/>
               <a:t>Second level</a:t>
             </a:r>
           </a:p>
           <a:p>
             <a:pPr lvl="2"/>
             <a:r>
-              <a:rPr lang="en-US" smtClean="0"/>
+              <a:rPr lang="en-US"/>
               <a:t>Third level</a:t>
             </a:r>
           </a:p>
           <a:p>
             <a:pPr lvl="3"/>
             <a:r>
-              <a:rPr lang="en-US" smtClean="0"/>
+              <a:rPr lang="en-US"/>
               <a:t>Fourth level</a:t>
             </a:r>
           </a:p>
           <a:p>
             <a:pPr lvl="4"/>
             <a:r>
-              <a:rPr lang="en-US" smtClean="0"/>
+              <a:rPr lang="en-US"/>
               <a:t>Fifth level</a:t>
             </a:r>
             <a:endParaRPr lang="es-CO"/>
@@ -2668,7 +2652,7 @@
             <a:fld id="{EE425855-FD75-467C-BECD-0927F9A0E82A}" type="datetimeFigureOut">
               <a:rPr lang="es-CO" smtClean="0"/>
               <a:pPr/>
-              <a:t>11/09/2022</a:t>
+              <a:t>24/08/2023</a:t>
             </a:fld>
             <a:endParaRPr lang="es-CO"/>
           </a:p>
@@ -2711,7 +2695,7 @@
             <a:fld id="{E5D669A4-F8EA-4CFD-8D90-0DDD4F3E3638}" type="slidenum">
               <a:rPr lang="es-CO" smtClean="0"/>
               <a:pPr/>
-              <a:t>‹#›</a:t>
+              <a:t>‹Nº›</a:t>
             </a:fld>
             <a:endParaRPr lang="es-CO"/>
           </a:p>
@@ -2822,7 +2806,7 @@
           <a:lstStyle/>
           <a:p>
             <a:r>
-              <a:rPr lang="en-US" smtClean="0"/>
+              <a:rPr lang="en-US"/>
               <a:t>Click to edit Master title style</a:t>
             </a:r>
             <a:endParaRPr lang="es-CO"/>
@@ -2846,35 +2830,35 @@
           <a:p>
             <a:pPr lvl="0"/>
             <a:r>
-              <a:rPr lang="en-US" smtClean="0"/>
+              <a:rPr lang="en-US"/>
               <a:t>Click to edit Master text styles</a:t>
             </a:r>
           </a:p>
           <a:p>
             <a:pPr lvl="1"/>
             <a:r>
-              <a:rPr lang="en-US" smtClean="0"/>
+              <a:rPr lang="en-US"/>
               <a:t>Second level</a:t>
             </a:r>
           </a:p>
           <a:p>
             <a:pPr lvl="2"/>
             <a:r>
-              <a:rPr lang="en-US" smtClean="0"/>
+              <a:rPr lang="en-US"/>
               <a:t>Third level</a:t>
             </a:r>
           </a:p>
           <a:p>
             <a:pPr lvl="3"/>
             <a:r>
-              <a:rPr lang="en-US" smtClean="0"/>
+              <a:rPr lang="en-US"/>
               <a:t>Fourth level</a:t>
             </a:r>
           </a:p>
           <a:p>
             <a:pPr lvl="4"/>
             <a:r>
-              <a:rPr lang="en-US" smtClean="0"/>
+              <a:rPr lang="en-US"/>
               <a:t>Fifth level</a:t>
             </a:r>
             <a:endParaRPr lang="es-CO"/>
@@ -2899,7 +2883,7 @@
             <a:fld id="{EE425855-FD75-467C-BECD-0927F9A0E82A}" type="datetimeFigureOut">
               <a:rPr lang="es-CO" smtClean="0"/>
               <a:pPr/>
-              <a:t>11/09/2022</a:t>
+              <a:t>24/08/2023</a:t>
             </a:fld>
             <a:endParaRPr lang="es-CO"/>
           </a:p>
@@ -2942,7 +2926,7 @@
             <a:fld id="{E5D669A4-F8EA-4CFD-8D90-0DDD4F3E3638}" type="slidenum">
               <a:rPr lang="es-CO" smtClean="0"/>
               <a:pPr/>
-              <a:t>‹#›</a:t>
+              <a:t>‹Nº›</a:t>
             </a:fld>
             <a:endParaRPr lang="es-CO"/>
           </a:p>
@@ -3017,13 +3001,6 @@
   <p:clrMapOvr>
     <a:masterClrMapping/>
   </p:clrMapOvr>
-  <p:timing>
-    <p:tnLst>
-      <p:par>
-        <p:cTn id="1" dur="indefinite" restart="never" nodeType="tmRoot"/>
-      </p:par>
-    </p:tnLst>
-  </p:timing>
 </p:sldLayout>
 </file>
 
@@ -3075,7 +3052,7 @@
           <a:lstStyle/>
           <a:p>
             <a:r>
-              <a:rPr lang="en-US" smtClean="0"/>
+              <a:rPr lang="en-US"/>
               <a:t>Click to edit Master title style</a:t>
             </a:r>
             <a:endParaRPr lang="es-CO"/>
@@ -3109,35 +3086,35 @@
           <a:p>
             <a:pPr lvl="0"/>
             <a:r>
-              <a:rPr lang="en-US" dirty="0" smtClean="0"/>
+              <a:rPr lang="en-US" dirty="0"/>
               <a:t>Click to edit Master text styles</a:t>
             </a:r>
           </a:p>
           <a:p>
             <a:pPr lvl="1"/>
             <a:r>
-              <a:rPr lang="en-US" dirty="0" smtClean="0"/>
+              <a:rPr lang="en-US" dirty="0"/>
               <a:t>Second level</a:t>
             </a:r>
           </a:p>
           <a:p>
             <a:pPr lvl="2"/>
             <a:r>
-              <a:rPr lang="en-US" dirty="0" smtClean="0"/>
+              <a:rPr lang="en-US" dirty="0"/>
               <a:t>Third level</a:t>
             </a:r>
           </a:p>
           <a:p>
             <a:pPr lvl="3"/>
             <a:r>
-              <a:rPr lang="en-US" dirty="0" smtClean="0"/>
+              <a:rPr lang="en-US" dirty="0"/>
               <a:t>Fourth level</a:t>
             </a:r>
           </a:p>
           <a:p>
             <a:pPr lvl="4"/>
             <a:r>
-              <a:rPr lang="en-US" dirty="0" smtClean="0"/>
+              <a:rPr lang="en-US" dirty="0"/>
               <a:t>Fifth level</a:t>
             </a:r>
             <a:endParaRPr lang="es-CO" dirty="0"/>
@@ -3180,7 +3157,7 @@
             <a:fld id="{EE425855-FD75-467C-BECD-0927F9A0E82A}" type="datetimeFigureOut">
               <a:rPr lang="es-CO" smtClean="0"/>
               <a:pPr/>
-              <a:t>11/09/2022</a:t>
+              <a:t>24/08/2023</a:t>
             </a:fld>
             <a:endParaRPr lang="es-CO"/>
           </a:p>
@@ -3259,7 +3236,7 @@
             <a:fld id="{E5D669A4-F8EA-4CFD-8D90-0DDD4F3E3638}" type="slidenum">
               <a:rPr lang="es-CO" smtClean="0"/>
               <a:pPr/>
-              <a:t>‹#›</a:t>
+              <a:t>‹Nº›</a:t>
             </a:fld>
             <a:endParaRPr lang="es-CO"/>
           </a:p>
@@ -3275,13 +3252,6 @@
     <p:sldLayoutId id="2147483652" r:id="rId4"/>
     <p:sldLayoutId id="2147483653" r:id="rId5"/>
   </p:sldLayoutIdLst>
-  <p:timing>
-    <p:tnLst>
-      <p:par>
-        <p:cTn id="1" dur="indefinite" restart="never" nodeType="tmRoot"/>
-      </p:par>
-    </p:tnLst>
-  </p:timing>
   <p:txStyles>
     <p:titleStyle>
       <a:lvl1pPr algn="l" defTabSz="914400" rtl="0" eaLnBrk="1" latinLnBrk="0" hangingPunct="1">
@@ -3588,11 +3558,11 @@
           <a:lstStyle/>
           <a:p>
             <a:r>
-              <a:rPr lang="es-CO" sz="8000" dirty="0" smtClean="0"/>
+              <a:rPr lang="es-CO" sz="8000" dirty="0"/>
               <a:t>Web </a:t>
             </a:r>
             <a:r>
-              <a:rPr lang="es-CO" sz="8000" dirty="0" err="1" smtClean="0"/>
+              <a:rPr lang="es-CO" sz="8000" dirty="0" err="1"/>
               <a:t>Development</a:t>
             </a:r>
             <a:endParaRPr lang="es-CO" sz="8000" dirty="0"/>
@@ -3620,10 +3590,9 @@
           <a:lstStyle/>
           <a:p>
             <a:r>
-              <a:rPr lang="es-CO" dirty="0" smtClean="0"/>
+              <a:rPr lang="es-CO" dirty="0"/>
               <a:t>HTML Basic</a:t>
             </a:r>
-            <a:endParaRPr lang="es-CO" dirty="0"/>
           </a:p>
         </p:txBody>
       </p:sp>
@@ -3650,10 +3619,9 @@
           <a:lstStyle/>
           <a:p>
             <a:r>
-              <a:rPr lang="es-CO" dirty="0" smtClean="0"/>
+              <a:rPr lang="es-CO" dirty="0"/>
               <a:t>Julio Cesar Robles Uribe</a:t>
             </a:r>
-            <a:endParaRPr lang="es-CO" dirty="0"/>
           </a:p>
         </p:txBody>
       </p:sp>
@@ -3680,18 +3648,13 @@
           <a:lstStyle/>
           <a:p>
             <a:r>
-              <a:rPr lang="es-CO" sz="1400" dirty="0" smtClean="0">
+              <a:rPr lang="es-CO" sz="1400" dirty="0">
                 <a:solidFill>
                   <a:srgbClr val="0070C0"/>
                 </a:solidFill>
               </a:rPr>
               <a:t>Arquitecto de Soluciones</a:t>
             </a:r>
-            <a:endParaRPr lang="es-CO" sz="1400" dirty="0">
-              <a:solidFill>
-                <a:srgbClr val="0070C0"/>
-              </a:solidFill>
-            </a:endParaRPr>
           </a:p>
         </p:txBody>
       </p:sp>
@@ -3741,13 +3704,6 @@
   <p:clrMapOvr>
     <a:masterClrMapping/>
   </p:clrMapOvr>
-  <p:timing>
-    <p:tnLst>
-      <p:par>
-        <p:cTn id="1" dur="indefinite" restart="never" nodeType="tmRoot"/>
-      </p:par>
-    </p:tnLst>
-  </p:timing>
 </p:sld>
 </file>
 
@@ -3806,7 +3762,7 @@
           <a:p>
             <a:pPr algn="ctr"/>
             <a:r>
-              <a:rPr lang="en-US" sz="6600" b="1" cap="all" dirty="0" smtClean="0">
+              <a:rPr lang="en-US" sz="6600" b="1" cap="all" dirty="0">
                 <a:ln w="0"/>
                 <a:solidFill>
                   <a:srgbClr val="0066CC">
@@ -3820,18 +3776,6 @@
               </a:rPr>
               <a:t>Gracias!!!</a:t>
             </a:r>
-            <a:endParaRPr lang="en-US" sz="6600" b="1" cap="all" dirty="0">
-              <a:ln w="0"/>
-              <a:solidFill>
-                <a:srgbClr val="0066CC">
-                  <a:alpha val="74000"/>
-                </a:srgbClr>
-              </a:solidFill>
-              <a:effectLst>
-                <a:reflection blurRad="12700" stA="50000" endPos="50000" dist="5000" dir="5400000" sy="-100000" rotWithShape="0"/>
-              </a:effectLst>
-              <a:latin typeface="Berlin Sans FB Demi" pitchFamily="34" charset="0"/>
-            </a:endParaRPr>
           </a:p>
         </p:txBody>
       </p:sp>
@@ -3840,13 +3784,6 @@
   <p:clrMapOvr>
     <a:masterClrMapping/>
   </p:clrMapOvr>
-  <p:timing>
-    <p:tnLst>
-      <p:par>
-        <p:cTn id="1" dur="indefinite" restart="never" nodeType="tmRoot"/>
-      </p:par>
-    </p:tnLst>
-  </p:timing>
 </p:sld>
 </file>
 
@@ -3883,18 +3820,17 @@
           <a:lstStyle/>
           <a:p>
             <a:r>
-              <a:rPr lang="en-US" dirty="0" smtClean="0"/>
+              <a:rPr lang="en-US" dirty="0"/>
               <a:t>Que </a:t>
             </a:r>
             <a:r>
-              <a:rPr lang="en-US" dirty="0" err="1" smtClean="0"/>
+              <a:rPr lang="en-US" dirty="0" err="1"/>
               <a:t>es</a:t>
             </a:r>
             <a:r>
-              <a:rPr lang="en-US" dirty="0" smtClean="0"/>
+              <a:rPr lang="en-US" dirty="0"/>
               <a:t> HTTP?</a:t>
             </a:r>
-            <a:endParaRPr lang="en-US" dirty="0"/>
           </a:p>
         </p:txBody>
       </p:sp>
@@ -3945,16 +3881,11 @@
               <a:rPr lang="es-ES" dirty="0"/>
               <a:t>. </a:t>
             </a:r>
-            <a:endParaRPr lang="es-ES" dirty="0" smtClean="0"/>
-          </a:p>
-          <a:p>
-            <a:r>
-              <a:rPr lang="es-ES" dirty="0" smtClean="0"/>
-              <a:t>HTTP </a:t>
-            </a:r>
+          </a:p>
+          <a:p>
             <a:r>
               <a:rPr lang="es-ES" dirty="0"/>
-              <a:t>son las siglas para </a:t>
+              <a:t>HTTP son las siglas para </a:t>
             </a:r>
             <a:r>
               <a:rPr lang="es-ES" b="1" dirty="0" err="1">
@@ -3993,7 +3924,7 @@
               <a:t>protocolo de transferencia de hipertextos</a:t>
             </a:r>
             <a:r>
-              <a:rPr lang="es-ES" dirty="0" smtClean="0"/>
+              <a:rPr lang="es-ES" dirty="0"/>
               <a:t>”.</a:t>
             </a:r>
           </a:p>
@@ -4104,22 +4035,21 @@
           <a:lstStyle/>
           <a:p>
             <a:r>
-              <a:rPr lang="en-US" dirty="0" err="1" smtClean="0"/>
+              <a:rPr lang="en-US" dirty="0" err="1"/>
               <a:t>Qué</a:t>
             </a:r>
             <a:r>
-              <a:rPr lang="en-US" dirty="0" smtClean="0"/>
+              <a:rPr lang="en-US" dirty="0"/>
               <a:t> </a:t>
             </a:r>
             <a:r>
-              <a:rPr lang="en-US" dirty="0" err="1" smtClean="0"/>
+              <a:rPr lang="en-US" dirty="0" err="1"/>
               <a:t>es</a:t>
             </a:r>
             <a:r>
-              <a:rPr lang="en-US" dirty="0" smtClean="0"/>
+              <a:rPr lang="en-US" dirty="0"/>
               <a:t> URL/URI?</a:t>
             </a:r>
-            <a:endParaRPr lang="en-US" dirty="0"/>
           </a:p>
         </p:txBody>
       </p:sp>
@@ -4185,7 +4115,7 @@
               <a:t> </a:t>
             </a:r>
             <a:r>
-              <a:rPr lang="es-ES" b="1" dirty="0" err="1" smtClean="0">
+              <a:rPr lang="es-ES" b="1" dirty="0" err="1">
                 <a:solidFill>
                   <a:srgbClr val="0070C0"/>
                 </a:solidFill>
@@ -4193,7 +4123,7 @@
               <a:t>Locator</a:t>
             </a:r>
             <a:r>
-              <a:rPr lang="es-ES" b="1" dirty="0" smtClean="0">
+              <a:rPr lang="es-ES" b="1" dirty="0">
                 <a:solidFill>
                   <a:srgbClr val="0070C0"/>
                 </a:solidFill>
@@ -4201,7 +4131,7 @@
               <a:t>/</a:t>
             </a:r>
             <a:r>
-              <a:rPr lang="es-ES" b="1" dirty="0" err="1" smtClean="0">
+              <a:rPr lang="es-ES" b="1" dirty="0" err="1">
                 <a:solidFill>
                   <a:srgbClr val="0070C0"/>
                 </a:solidFill>
@@ -4209,28 +4139,20 @@
               <a:t>Identifier</a:t>
             </a:r>
             <a:r>
-              <a:rPr lang="es-ES" dirty="0" smtClean="0"/>
-              <a:t>, </a:t>
-            </a:r>
-            <a:r>
               <a:rPr lang="es-ES" dirty="0"/>
-              <a:t>que en español significa </a:t>
-            </a:r>
-            <a:r>
-              <a:rPr lang="es-ES" b="1" dirty="0" smtClean="0"/>
+              <a:t>, que en español significa </a:t>
+            </a:r>
+            <a:r>
+              <a:rPr lang="es-ES" b="1" dirty="0"/>
               <a:t>Identificador</a:t>
             </a:r>
             <a:r>
-              <a:rPr lang="es-ES" dirty="0" smtClean="0"/>
+              <a:rPr lang="es-ES" dirty="0"/>
               <a:t>/</a:t>
             </a:r>
             <a:r>
-              <a:rPr lang="es-ES" b="1" dirty="0" smtClean="0"/>
-              <a:t>Localizador </a:t>
-            </a:r>
-            <a:r>
               <a:rPr lang="es-ES" b="1" dirty="0"/>
-              <a:t>Uniforme de Recursos</a:t>
+              <a:t>Localizador Uniforme de Recursos</a:t>
             </a:r>
             <a:r>
               <a:rPr lang="es-ES" dirty="0"/>
@@ -4239,12 +4161,8 @@
           </a:p>
           <a:p>
             <a:r>
-              <a:rPr lang="es-ES" dirty="0" smtClean="0"/>
-              <a:t>Como </a:t>
-            </a:r>
-            <a:r>
               <a:rPr lang="es-ES" dirty="0"/>
-              <a:t>tal, el </a:t>
+              <a:t>Como tal, el </a:t>
             </a:r>
             <a:r>
               <a:rPr lang="es-ES" b="1" dirty="0">
@@ -4290,7 +4208,6 @@
               <a:rPr lang="es-ES" dirty="0"/>
               <a:t>disponibles en la red con la finalidad de que estos puedan ser localizados o identificados. </a:t>
             </a:r>
-            <a:endParaRPr lang="es-ES" dirty="0" smtClean="0"/>
           </a:p>
         </p:txBody>
       </p:sp>
@@ -4364,22 +4281,21 @@
           <a:lstStyle/>
           <a:p>
             <a:r>
-              <a:rPr lang="en-US" dirty="0" err="1" smtClean="0"/>
+              <a:rPr lang="en-US" dirty="0" err="1"/>
               <a:t>Qué</a:t>
             </a:r>
             <a:r>
-              <a:rPr lang="en-US" dirty="0" smtClean="0"/>
+              <a:rPr lang="en-US" dirty="0"/>
               <a:t> </a:t>
             </a:r>
             <a:r>
-              <a:rPr lang="en-US" dirty="0" err="1" smtClean="0"/>
+              <a:rPr lang="en-US" dirty="0" err="1"/>
               <a:t>es</a:t>
             </a:r>
             <a:r>
-              <a:rPr lang="en-US" dirty="0" smtClean="0"/>
+              <a:rPr lang="en-US" dirty="0"/>
               <a:t> HTML?</a:t>
             </a:r>
-            <a:endParaRPr lang="en-US" dirty="0"/>
           </a:p>
         </p:txBody>
       </p:sp>
@@ -4444,72 +4360,28 @@
             </a:r>
             <a:r>
               <a:rPr lang="es-ES" dirty="0"/>
-              <a:t> lo cual significa </a:t>
-            </a:r>
-            <a:r>
-              <a:rPr lang="es-ES" dirty="0" smtClean="0"/>
-              <a:t>“</a:t>
-            </a:r>
-            <a:r>
-              <a:rPr lang="es-ES" b="1" dirty="0" smtClean="0">
+              <a:t> lo cual significa “</a:t>
+            </a:r>
+            <a:r>
+              <a:rPr lang="es-ES" b="1" dirty="0">
                 <a:solidFill>
                   <a:srgbClr val="00B050"/>
                 </a:solidFill>
               </a:rPr>
-              <a:t>lenguaje </a:t>
-            </a:r>
-            <a:r>
-              <a:rPr lang="es-ES" b="1" dirty="0">
-                <a:solidFill>
-                  <a:srgbClr val="00B050"/>
-                </a:solidFill>
-              </a:rPr>
-              <a:t>de </a:t>
-            </a:r>
-            <a:r>
-              <a:rPr lang="es-ES" b="1" dirty="0" smtClean="0">
-                <a:solidFill>
-                  <a:srgbClr val="00B050"/>
-                </a:solidFill>
-              </a:rPr>
-              <a:t>marcado </a:t>
-            </a:r>
-            <a:r>
-              <a:rPr lang="es-ES" b="1" dirty="0">
-                <a:solidFill>
-                  <a:srgbClr val="00B050"/>
-                </a:solidFill>
-              </a:rPr>
-              <a:t>de </a:t>
-            </a:r>
-            <a:r>
-              <a:rPr lang="es-ES" b="1" dirty="0" smtClean="0">
-                <a:solidFill>
-                  <a:srgbClr val="00B050"/>
-                </a:solidFill>
-              </a:rPr>
-              <a:t>hipertexto</a:t>
-            </a:r>
-            <a:r>
-              <a:rPr lang="es-ES" dirty="0" smtClean="0"/>
+              <a:t>lenguaje de marcado de hipertexto</a:t>
+            </a:r>
+            <a:r>
+              <a:rPr lang="es-ES" dirty="0"/>
               <a:t>”</a:t>
             </a:r>
           </a:p>
           <a:p>
             <a:r>
-              <a:rPr lang="es-ES" dirty="0" smtClean="0"/>
-              <a:t>Se </a:t>
-            </a:r>
-            <a:r>
               <a:rPr lang="es-ES" dirty="0"/>
-              <a:t>basa en un lenguaje de marcas </a:t>
-            </a:r>
-            <a:r>
-              <a:rPr lang="es-ES" dirty="0" smtClean="0"/>
-              <a:t>(</a:t>
-            </a:r>
-            <a:r>
-              <a:rPr lang="es-ES" b="1" dirty="0" err="1" smtClean="0">
+              <a:t>Se basa en un lenguaje de marcas (</a:t>
+            </a:r>
+            <a:r>
+              <a:rPr lang="es-ES" b="1" dirty="0" err="1">
                 <a:solidFill>
                   <a:schemeClr val="accent2"/>
                 </a:solidFill>
@@ -4517,16 +4389,8 @@
               <a:t>TAGs</a:t>
             </a:r>
             <a:r>
-              <a:rPr lang="es-ES" dirty="0" smtClean="0"/>
-              <a:t> o Etiquetas) para </a:t>
-            </a:r>
-            <a:r>
               <a:rPr lang="es-ES" dirty="0"/>
-              <a:t>crear documentos que puedan ser distribuidos por </a:t>
-            </a:r>
-            <a:r>
-              <a:rPr lang="es-ES" dirty="0" smtClean="0"/>
-              <a:t>Internet.</a:t>
+              <a:t> o Etiquetas) para crear documentos que puedan ser distribuidos por Internet.</a:t>
             </a:r>
           </a:p>
           <a:p>
@@ -4560,7 +4424,7 @@
           <a:lstStyle/>
           <a:p>
             <a:r>
-              <a:rPr lang="en-US" sz="6000" b="1" dirty="0" smtClean="0">
+              <a:rPr lang="en-US" sz="6000" b="1" dirty="0">
                 <a:solidFill>
                   <a:schemeClr val="tx2"/>
                 </a:solidFill>
@@ -4570,7 +4434,7 @@
               <a:t>&lt;</a:t>
             </a:r>
             <a:r>
-              <a:rPr lang="en-US" sz="6000" b="1" dirty="0" smtClean="0">
+              <a:rPr lang="en-US" sz="6000" b="1" dirty="0">
                 <a:solidFill>
                   <a:schemeClr val="accent2"/>
                 </a:solidFill>
@@ -4580,7 +4444,7 @@
               <a:t>HTML</a:t>
             </a:r>
             <a:r>
-              <a:rPr lang="en-US" sz="6000" b="1" dirty="0" smtClean="0">
+              <a:rPr lang="en-US" sz="6000" b="1" dirty="0">
                 <a:solidFill>
                   <a:schemeClr val="tx2"/>
                 </a:solidFill>
@@ -4589,13 +4453,6 @@
               </a:rPr>
               <a:t>&gt;</a:t>
             </a:r>
-            <a:endParaRPr lang="en-US" sz="6000" b="1" dirty="0">
-              <a:solidFill>
-                <a:schemeClr val="tx2"/>
-              </a:solidFill>
-              <a:latin typeface="Courier New" panose="02070309020205020404" pitchFamily="49" charset="0"/>
-              <a:cs typeface="Courier New" panose="02070309020205020404" pitchFamily="49" charset="0"/>
-            </a:endParaRPr>
           </a:p>
         </p:txBody>
       </p:sp>
@@ -4645,20 +4502,8 @@
           <a:lstStyle/>
           <a:p>
             <a:r>
-              <a:rPr lang="en-US" dirty="0" err="1" smtClean="0"/>
-              <a:t>Elementos</a:t>
-            </a:r>
-            <a:r>
-              <a:rPr lang="en-US" dirty="0" smtClean="0"/>
-              <a:t> </a:t>
-            </a:r>
-            <a:r>
-              <a:rPr lang="en-US" dirty="0" err="1" smtClean="0"/>
-              <a:t>Básicos</a:t>
-            </a:r>
-            <a:r>
-              <a:rPr lang="en-US" dirty="0" smtClean="0"/>
-              <a:t> </a:t>
+              <a:rPr lang="en-US" dirty="0" err="1"/>
+              <a:t>Tablas</a:t>
             </a:r>
             <a:endParaRPr lang="en-US" dirty="0"/>
           </a:p>
@@ -4680,45 +4525,77 @@
           <a:lstStyle/>
           <a:p>
             <a:r>
+              <a:rPr lang="en-US" b="1" dirty="0"/>
+              <a:t>Table</a:t>
+            </a:r>
+          </a:p>
+          <a:p>
+            <a:pPr lvl="1"/>
+            <a:r>
               <a:rPr lang="en-US" dirty="0"/>
-              <a:t>!</a:t>
+              <a:t>Table Row (</a:t>
+            </a:r>
+            <a:r>
+              <a:rPr lang="en-US" b="1" dirty="0" err="1"/>
+              <a:t>tr</a:t>
+            </a:r>
+            <a:r>
+              <a:rPr lang="en-US" dirty="0"/>
+              <a:t>)</a:t>
+            </a:r>
+          </a:p>
+          <a:p>
+            <a:pPr lvl="1"/>
+            <a:r>
+              <a:rPr lang="en-US" dirty="0"/>
+              <a:t>Table Header (</a:t>
+            </a:r>
+            <a:r>
+              <a:rPr lang="en-US" b="1" dirty="0" err="1"/>
+              <a:t>th</a:t>
+            </a:r>
+            <a:r>
+              <a:rPr lang="en-US" dirty="0"/>
+              <a:t>)</a:t>
+            </a:r>
+          </a:p>
+          <a:p>
+            <a:pPr lvl="1"/>
+            <a:r>
+              <a:rPr lang="en-US" dirty="0"/>
+              <a:t>Table Data (</a:t>
+            </a:r>
+            <a:r>
+              <a:rPr lang="en-US" b="1" dirty="0"/>
+              <a:t>td</a:t>
+            </a:r>
+            <a:r>
+              <a:rPr lang="en-US" dirty="0"/>
+              <a:t>)</a:t>
+            </a:r>
+          </a:p>
+          <a:p>
+            <a:r>
+              <a:rPr lang="en-US" dirty="0"/>
+              <a:t>Border, </a:t>
             </a:r>
             <a:r>
               <a:rPr lang="en-US" dirty="0" err="1"/>
-              <a:t>DOCType</a:t>
+              <a:t>cellpadding</a:t>
             </a:r>
             <a:r>
               <a:rPr lang="en-US" dirty="0"/>
-              <a:t> html</a:t>
-            </a:r>
-          </a:p>
-          <a:p>
-            <a:r>
-              <a:rPr lang="en-US" dirty="0" smtClean="0"/>
-              <a:t>html</a:t>
-            </a:r>
-          </a:p>
-          <a:p>
-            <a:r>
-              <a:rPr lang="en-US" dirty="0" smtClean="0"/>
-              <a:t>head</a:t>
-            </a:r>
-          </a:p>
-          <a:p>
-            <a:r>
-              <a:rPr lang="en-US" dirty="0" smtClean="0"/>
-              <a:t>body</a:t>
-            </a:r>
-          </a:p>
-          <a:p>
-            <a:r>
-              <a:rPr lang="en-US" smtClean="0"/>
-              <a:t>Title</a:t>
-            </a:r>
-            <a:endParaRPr lang="en-US" dirty="0" smtClean="0"/>
-          </a:p>
-          <a:p>
-            <a:endParaRPr lang="en-US" dirty="0" smtClean="0"/>
+              <a:t>, </a:t>
+            </a:r>
+            <a:r>
+              <a:rPr lang="en-US" dirty="0" err="1"/>
+              <a:t>cellspacing</a:t>
+            </a:r>
+            <a:endParaRPr lang="en-US" dirty="0"/>
+          </a:p>
+          <a:p>
+            <a:pPr lvl="1"/>
+            <a:endParaRPr lang="en-US" dirty="0"/>
           </a:p>
           <a:p>
             <a:endParaRPr lang="en-US" dirty="0"/>
@@ -4728,7 +4605,7 @@
     </p:spTree>
     <p:extLst>
       <p:ext uri="{BB962C8B-B14F-4D97-AF65-F5344CB8AC3E}">
-        <p14:creationId xmlns:p14="http://schemas.microsoft.com/office/powerpoint/2010/main" val="1313329567"/>
+        <p14:creationId xmlns:p14="http://schemas.microsoft.com/office/powerpoint/2010/main" val="2115049399"/>
       </p:ext>
     </p:extLst>
   </p:cSld>
@@ -4771,186 +4648,79 @@
           <a:lstStyle/>
           <a:p>
             <a:r>
-              <a:rPr lang="en-US" dirty="0" err="1" smtClean="0"/>
-              <a:t>Listas</a:t>
-            </a:r>
-            <a:r>
-              <a:rPr lang="en-US" dirty="0" smtClean="0"/>
-              <a:t>, </a:t>
-            </a:r>
-            <a:r>
-              <a:rPr lang="en-US" dirty="0" err="1" smtClean="0"/>
-              <a:t>Parrafos</a:t>
-            </a:r>
-            <a:r>
-              <a:rPr lang="en-US" dirty="0" smtClean="0"/>
-              <a:t>, </a:t>
-            </a:r>
-            <a:r>
-              <a:rPr lang="en-US" dirty="0" err="1" smtClean="0"/>
-              <a:t>Textos</a:t>
-            </a:r>
-            <a:r>
-              <a:rPr lang="en-US" dirty="0" smtClean="0"/>
-              <a:t> y </a:t>
-            </a:r>
-            <a:r>
-              <a:rPr lang="en-US" dirty="0" err="1" smtClean="0"/>
-              <a:t>Estilos</a:t>
+              <a:rPr lang="en-US" dirty="0" err="1"/>
+              <a:t>Elementos</a:t>
+            </a:r>
+            <a:r>
+              <a:rPr lang="en-US" dirty="0"/>
+              <a:t> </a:t>
+            </a:r>
+            <a:r>
+              <a:rPr lang="en-US" dirty="0" err="1"/>
+              <a:t>Básicos</a:t>
+            </a:r>
+            <a:r>
+              <a:rPr lang="en-US" dirty="0"/>
+              <a:t> </a:t>
+            </a:r>
+          </a:p>
+        </p:txBody>
+      </p:sp>
+      <p:sp>
+        <p:nvSpPr>
+          <p:cNvPr id="3" name="Content Placeholder 2"/>
+          <p:cNvSpPr>
+            <a:spLocks noGrp="1"/>
+          </p:cNvSpPr>
+          <p:nvPr>
+            <p:ph idx="1"/>
+          </p:nvPr>
+        </p:nvSpPr>
+        <p:spPr/>
+        <p:txBody>
+          <a:bodyPr/>
+          <a:lstStyle/>
+          <a:p>
+            <a:r>
+              <a:rPr lang="en-US" dirty="0"/>
+              <a:t>!</a:t>
+            </a:r>
+            <a:r>
+              <a:rPr lang="en-US" dirty="0" err="1"/>
+              <a:t>DOCType</a:t>
+            </a:r>
+            <a:r>
+              <a:rPr lang="en-US" dirty="0"/>
+              <a:t> html</a:t>
+            </a:r>
+          </a:p>
+          <a:p>
+            <a:r>
+              <a:rPr lang="en-US" dirty="0"/>
+              <a:t>html</a:t>
+            </a:r>
+          </a:p>
+          <a:p>
+            <a:r>
+              <a:rPr lang="en-US" dirty="0"/>
+              <a:t>head</a:t>
+            </a:r>
+          </a:p>
+          <a:p>
+            <a:r>
+              <a:rPr lang="en-US" dirty="0"/>
+              <a:t>body</a:t>
+            </a:r>
+          </a:p>
+          <a:p>
+            <a:r>
+              <a:rPr lang="en-US"/>
+              <a:t>Title</a:t>
             </a:r>
             <a:endParaRPr lang="en-US" dirty="0"/>
           </a:p>
-        </p:txBody>
-      </p:sp>
-      <p:sp>
-        <p:nvSpPr>
-          <p:cNvPr id="3" name="Content Placeholder 2"/>
-          <p:cNvSpPr>
-            <a:spLocks noGrp="1"/>
-          </p:cNvSpPr>
-          <p:nvPr>
-            <p:ph idx="1"/>
-          </p:nvPr>
-        </p:nvSpPr>
-        <p:spPr/>
-        <p:txBody>
-          <a:bodyPr>
-            <a:normAutofit lnSpcReduction="10000"/>
-          </a:bodyPr>
-          <a:lstStyle/>
-          <a:p>
-            <a:r>
-              <a:rPr lang="en-US" dirty="0" smtClean="0"/>
-              <a:t>Lists</a:t>
-            </a:r>
-          </a:p>
-          <a:p>
-            <a:pPr lvl="1"/>
-            <a:r>
-              <a:rPr lang="en-US" dirty="0" smtClean="0"/>
-              <a:t>Unordered </a:t>
-            </a:r>
-            <a:r>
-              <a:rPr lang="en-US" dirty="0"/>
-              <a:t>List </a:t>
-            </a:r>
-            <a:r>
-              <a:rPr lang="en-US" dirty="0" smtClean="0"/>
-              <a:t>(</a:t>
-            </a:r>
-            <a:r>
-              <a:rPr lang="en-US" b="1" dirty="0" err="1" smtClean="0"/>
-              <a:t>ul</a:t>
-            </a:r>
-            <a:r>
-              <a:rPr lang="en-US" b="1" dirty="0" smtClean="0"/>
-              <a:t>)</a:t>
-            </a:r>
-            <a:r>
-              <a:rPr lang="en-US" dirty="0" smtClean="0"/>
-              <a:t>:.  (li: List Item)</a:t>
-            </a:r>
-          </a:p>
-          <a:p>
-            <a:pPr lvl="1"/>
-            <a:r>
-              <a:rPr lang="en-US" dirty="0" smtClean="0"/>
-              <a:t>Ordered </a:t>
-            </a:r>
-            <a:r>
-              <a:rPr lang="en-US" dirty="0"/>
-              <a:t>List </a:t>
-            </a:r>
-            <a:r>
-              <a:rPr lang="en-US" dirty="0" smtClean="0"/>
-              <a:t>(</a:t>
-            </a:r>
-            <a:r>
-              <a:rPr lang="en-US" b="1" dirty="0" err="1" smtClean="0"/>
-              <a:t>ol</a:t>
-            </a:r>
-            <a:r>
-              <a:rPr lang="en-US" dirty="0" smtClean="0"/>
-              <a:t>): (li – List Item)</a:t>
-            </a:r>
-          </a:p>
-          <a:p>
-            <a:r>
-              <a:rPr lang="en-US" dirty="0" smtClean="0"/>
-              <a:t>Anchor (</a:t>
-            </a:r>
-            <a:r>
-              <a:rPr lang="en-US" b="1" dirty="0" smtClean="0"/>
-              <a:t>a</a:t>
-            </a:r>
-            <a:r>
-              <a:rPr lang="en-US" dirty="0" smtClean="0"/>
-              <a:t>  </a:t>
-            </a:r>
-            <a:r>
-              <a:rPr lang="en-US" dirty="0" err="1" smtClean="0"/>
-              <a:t>href</a:t>
-            </a:r>
-            <a:r>
-              <a:rPr lang="en-US" dirty="0" smtClean="0"/>
-              <a:t>)</a:t>
-            </a:r>
-          </a:p>
-          <a:p>
-            <a:r>
-              <a:rPr lang="en-US" dirty="0" smtClean="0"/>
-              <a:t>Back Return (</a:t>
-            </a:r>
-            <a:r>
-              <a:rPr lang="en-US" b="1" dirty="0" err="1" smtClean="0"/>
-              <a:t>br</a:t>
-            </a:r>
-            <a:r>
-              <a:rPr lang="en-US" dirty="0" smtClean="0"/>
-              <a:t>)</a:t>
-            </a:r>
-          </a:p>
-          <a:p>
-            <a:r>
-              <a:rPr lang="en-US" dirty="0" smtClean="0"/>
-              <a:t>Paragraph (</a:t>
-            </a:r>
-            <a:r>
-              <a:rPr lang="en-US" b="1" dirty="0" smtClean="0"/>
-              <a:t>p</a:t>
-            </a:r>
-            <a:r>
-              <a:rPr lang="en-US" dirty="0" smtClean="0"/>
-              <a:t>)</a:t>
-            </a:r>
-          </a:p>
-          <a:p>
-            <a:r>
-              <a:rPr lang="en-US" dirty="0" smtClean="0"/>
-              <a:t>Italic (</a:t>
-            </a:r>
-            <a:r>
-              <a:rPr lang="en-US" b="1" dirty="0" err="1" smtClean="0"/>
-              <a:t>i</a:t>
-            </a:r>
-            <a:r>
-              <a:rPr lang="en-US" dirty="0" smtClean="0"/>
-              <a:t>) </a:t>
-            </a:r>
-          </a:p>
-          <a:p>
-            <a:r>
-              <a:rPr lang="en-US" dirty="0" smtClean="0"/>
-              <a:t>Bold (</a:t>
-            </a:r>
-            <a:r>
-              <a:rPr lang="en-US" b="1" dirty="0" smtClean="0"/>
-              <a:t>b</a:t>
-            </a:r>
-            <a:r>
-              <a:rPr lang="en-US" dirty="0" smtClean="0"/>
-              <a:t>)</a:t>
-            </a:r>
+          <a:p>
+            <a:endParaRPr lang="en-US" dirty="0"/>
           </a:p>
           <a:p>
             <a:endParaRPr lang="en-US" dirty="0"/>
@@ -4960,7 +4730,7 @@
     </p:spTree>
     <p:extLst>
       <p:ext uri="{BB962C8B-B14F-4D97-AF65-F5344CB8AC3E}">
-        <p14:creationId xmlns:p14="http://schemas.microsoft.com/office/powerpoint/2010/main" val="3098769047"/>
+        <p14:creationId xmlns:p14="http://schemas.microsoft.com/office/powerpoint/2010/main" val="1313329567"/>
       </p:ext>
     </p:extLst>
   </p:cSld>
@@ -5003,8 +4773,32 @@
           <a:lstStyle/>
           <a:p>
             <a:r>
-              <a:rPr lang="en-US" dirty="0" err="1" smtClean="0"/>
-              <a:t>Tablas</a:t>
+              <a:rPr lang="en-US" dirty="0" err="1"/>
+              <a:t>Listas</a:t>
+            </a:r>
+            <a:r>
+              <a:rPr lang="en-US" dirty="0"/>
+              <a:t>, </a:t>
+            </a:r>
+            <a:r>
+              <a:rPr lang="en-US" dirty="0" err="1"/>
+              <a:t>Parrafos</a:t>
+            </a:r>
+            <a:r>
+              <a:rPr lang="en-US" dirty="0"/>
+              <a:t>, </a:t>
+            </a:r>
+            <a:r>
+              <a:rPr lang="en-US" dirty="0" err="1"/>
+              <a:t>Textos</a:t>
+            </a:r>
+            <a:r>
+              <a:rPr lang="en-US" dirty="0"/>
+              <a:t> y </a:t>
+            </a:r>
+            <a:r>
+              <a:rPr lang="en-US" dirty="0" err="1"/>
+              <a:t>Estilos</a:t>
             </a:r>
             <a:endParaRPr lang="en-US" dirty="0"/>
           </a:p>
@@ -5022,23 +4816,66 @@
         </p:nvSpPr>
         <p:spPr/>
         <p:txBody>
-          <a:bodyPr/>
+          <a:bodyPr>
+            <a:normAutofit lnSpcReduction="10000"/>
+          </a:bodyPr>
           <a:lstStyle/>
           <a:p>
             <a:r>
-              <a:rPr lang="en-US" b="1" dirty="0" smtClean="0"/>
-              <a:t>Table</a:t>
+              <a:rPr lang="en-US" dirty="0"/>
+              <a:t>Lists</a:t>
             </a:r>
           </a:p>
           <a:p>
             <a:pPr lvl="1"/>
             <a:r>
               <a:rPr lang="en-US" dirty="0"/>
-              <a:t>Table Row (</a:t>
+              <a:t>Unordered List (</a:t>
             </a:r>
             <a:r>
               <a:rPr lang="en-US" b="1" dirty="0" err="1"/>
-              <a:t>tr</a:t>
+              <a:t>ul</a:t>
+            </a:r>
+            <a:r>
+              <a:rPr lang="en-US" b="1" dirty="0"/>
+              <a:t>)</a:t>
+            </a:r>
+            <a:r>
+              <a:rPr lang="en-US" dirty="0"/>
+              <a:t>:.  (li: List Item)</a:t>
+            </a:r>
+          </a:p>
+          <a:p>
+            <a:pPr lvl="1"/>
+            <a:r>
+              <a:rPr lang="en-US" dirty="0"/>
+              <a:t>Ordered List (</a:t>
+            </a:r>
+            <a:r>
+              <a:rPr lang="en-US" b="1" dirty="0" err="1"/>
+              <a:t>ol</a:t>
+            </a:r>
+            <a:r>
+              <a:rPr lang="en-US" dirty="0"/>
+              <a:t>): (li – List Item)</a:t>
+            </a:r>
+          </a:p>
+          <a:p>
+            <a:r>
+              <a:rPr lang="en-US" dirty="0"/>
+              <a:t>Anchor (</a:t>
+            </a:r>
+            <a:r>
+              <a:rPr lang="en-US" b="1" dirty="0"/>
+              <a:t>a</a:t>
+            </a:r>
+            <a:r>
+              <a:rPr lang="en-US" dirty="0"/>
+              <a:t>  </a:t>
+            </a:r>
+            <a:r>
+              <a:rPr lang="en-US" dirty="0" err="1"/>
+              <a:t>href</a:t>
             </a:r>
             <a:r>
               <a:rPr lang="en-US" dirty="0"/>
@@ -5046,57 +4883,60 @@
             </a:r>
           </a:p>
           <a:p>
-            <a:pPr lvl="1"/>
-            <a:r>
-              <a:rPr lang="en-US" dirty="0" smtClean="0"/>
-              <a:t>Table Header (</a:t>
-            </a:r>
-            <a:r>
-              <a:rPr lang="en-US" b="1" dirty="0" err="1" smtClean="0"/>
-              <a:t>th</a:t>
-            </a:r>
-            <a:r>
-              <a:rPr lang="en-US" dirty="0" smtClean="0"/>
+            <a:r>
+              <a:rPr lang="en-US" dirty="0"/>
+              <a:t>Back Return (</a:t>
+            </a:r>
+            <a:r>
+              <a:rPr lang="en-US" b="1" dirty="0" err="1"/>
+              <a:t>br</a:t>
+            </a:r>
+            <a:r>
+              <a:rPr lang="en-US" dirty="0"/>
               <a:t>)</a:t>
             </a:r>
           </a:p>
           <a:p>
-            <a:pPr lvl="1"/>
-            <a:r>
-              <a:rPr lang="en-US" dirty="0" smtClean="0"/>
-              <a:t>Table Data (</a:t>
-            </a:r>
-            <a:r>
-              <a:rPr lang="en-US" b="1" dirty="0" smtClean="0"/>
-              <a:t>td</a:t>
-            </a:r>
-            <a:r>
-              <a:rPr lang="en-US" dirty="0" smtClean="0"/>
+            <a:r>
+              <a:rPr lang="en-US" dirty="0"/>
+              <a:t>Paragraph (</a:t>
+            </a:r>
+            <a:r>
+              <a:rPr lang="en-US" b="1" dirty="0"/>
+              <a:t>p</a:t>
+            </a:r>
+            <a:r>
+              <a:rPr lang="en-US" dirty="0"/>
               <a:t>)</a:t>
             </a:r>
           </a:p>
           <a:p>
             <a:r>
-              <a:rPr lang="en-US" dirty="0" smtClean="0"/>
-              <a:t>Border, </a:t>
-            </a:r>
-            <a:r>
-              <a:rPr lang="en-US" dirty="0" err="1" smtClean="0"/>
-              <a:t>cellpadding</a:t>
-            </a:r>
-            <a:r>
-              <a:rPr lang="en-US" dirty="0" smtClean="0"/>
-              <a:t>, </a:t>
-            </a:r>
-            <a:r>
-              <a:rPr lang="en-US" dirty="0" err="1" smtClean="0"/>
-              <a:t>cellspacing</a:t>
-            </a:r>
-            <a:endParaRPr lang="en-US" dirty="0" smtClean="0"/>
-          </a:p>
-          <a:p>
-            <a:pPr lvl="1"/>
-            <a:endParaRPr lang="en-US" dirty="0" smtClean="0"/>
+              <a:rPr lang="en-US" dirty="0"/>
+              <a:t>Italic (</a:t>
+            </a:r>
+            <a:r>
+              <a:rPr lang="en-US" b="1" dirty="0" err="1"/>
+              <a:t>i</a:t>
+            </a:r>
+            <a:r>
+              <a:rPr lang="en-US" dirty="0"/>
+              <a:t>) </a:t>
+            </a:r>
+          </a:p>
+          <a:p>
+            <a:r>
+              <a:rPr lang="en-US" dirty="0"/>
+              <a:t>Bold (</a:t>
+            </a:r>
+            <a:r>
+              <a:rPr lang="en-US" b="1" dirty="0"/>
+              <a:t>b</a:t>
+            </a:r>
+            <a:r>
+              <a:rPr lang="en-US" dirty="0"/>
+              <a:t>)</a:t>
+            </a:r>
           </a:p>
           <a:p>
             <a:endParaRPr lang="en-US" dirty="0"/>
@@ -5106,7 +4946,7 @@
     </p:spTree>
     <p:extLst>
       <p:ext uri="{BB962C8B-B14F-4D97-AF65-F5344CB8AC3E}">
-        <p14:creationId xmlns:p14="http://schemas.microsoft.com/office/powerpoint/2010/main" val="2115049399"/>
+        <p14:creationId xmlns:p14="http://schemas.microsoft.com/office/powerpoint/2010/main" val="3098769047"/>
       </p:ext>
     </p:extLst>
   </p:cSld>
@@ -5149,10 +4989,9 @@
           <a:lstStyle/>
           <a:p>
             <a:r>
-              <a:rPr lang="en-US" dirty="0" smtClean="0"/>
+              <a:rPr lang="en-US" dirty="0"/>
               <a:t>Images, Forms, Inputs</a:t>
             </a:r>
-            <a:endParaRPr lang="en-US" dirty="0"/>
           </a:p>
         </p:txBody>
       </p:sp>
@@ -5172,40 +5011,40 @@
           <a:lstStyle/>
           <a:p>
             <a:r>
-              <a:rPr lang="en-US" dirty="0" smtClean="0"/>
+              <a:rPr lang="en-US" dirty="0"/>
               <a:t>Image</a:t>
             </a:r>
           </a:p>
           <a:p>
             <a:r>
-              <a:rPr lang="en-US" dirty="0" smtClean="0"/>
+              <a:rPr lang="en-US" dirty="0"/>
               <a:t>form</a:t>
             </a:r>
           </a:p>
           <a:p>
             <a:r>
-              <a:rPr lang="en-US" dirty="0" smtClean="0"/>
+              <a:rPr lang="en-US" dirty="0"/>
               <a:t>Inputs</a:t>
             </a:r>
           </a:p>
           <a:p>
             <a:pPr lvl="1"/>
             <a:r>
-              <a:rPr lang="en-US" dirty="0" smtClean="0"/>
+              <a:rPr lang="en-US" dirty="0"/>
               <a:t>Button</a:t>
             </a:r>
           </a:p>
           <a:p>
             <a:pPr lvl="1"/>
             <a:r>
-              <a:rPr lang="en-US" dirty="0" smtClean="0"/>
+              <a:rPr lang="en-US" dirty="0"/>
               <a:t>Text</a:t>
             </a:r>
           </a:p>
           <a:p>
             <a:pPr lvl="1"/>
             <a:r>
-              <a:rPr lang="en-US" smtClean="0"/>
+              <a:rPr lang="en-US"/>
               <a:t>password</a:t>
             </a:r>
             <a:endParaRPr lang="en-US" dirty="0"/>
@@ -5259,10 +5098,9 @@
           <a:p>
             <a:pPr algn="ctr"/>
             <a:r>
-              <a:rPr lang="es-CO" dirty="0" smtClean="0"/>
+              <a:rPr lang="es-CO" dirty="0"/>
               <a:t>Preguntas?</a:t>
             </a:r>
-            <a:endParaRPr lang="es-CO" dirty="0"/>
           </a:p>
         </p:txBody>
       </p:sp>
@@ -5297,13 +5135,6 @@
   <p:clrMapOvr>
     <a:masterClrMapping/>
   </p:clrMapOvr>
-  <p:timing>
-    <p:tnLst>
-      <p:par>
-        <p:cTn id="1" dur="indefinite" restart="never" nodeType="tmRoot"/>
-      </p:par>
-    </p:tnLst>
-  </p:timing>
 </p:sld>
 </file>
 

--- a/Classes/WebDev-01-HTML-Basic.pptx
+++ b/Classes/WebDev-01-HTML-Basic.pptx
@@ -12,9 +12,9 @@
     <p:sldId id="270" r:id="rId3"/>
     <p:sldId id="271" r:id="rId4"/>
     <p:sldId id="269" r:id="rId5"/>
-    <p:sldId id="274" r:id="rId6"/>
-    <p:sldId id="272" r:id="rId7"/>
-    <p:sldId id="273" r:id="rId8"/>
+    <p:sldId id="272" r:id="rId6"/>
+    <p:sldId id="273" r:id="rId7"/>
+    <p:sldId id="274" r:id="rId8"/>
     <p:sldId id="275" r:id="rId9"/>
     <p:sldId id="262" r:id="rId10"/>
     <p:sldId id="263" r:id="rId11"/>
@@ -217,7 +217,7 @@
           <a:p>
             <a:fld id="{4DB897FE-AC85-4059-92E4-10C4313254ED}" type="datetimeFigureOut">
               <a:rPr lang="en-US" smtClean="0"/>
-              <a:t>8/24/2023</a:t>
+              <a:t>9/11/2022</a:t>
             </a:fld>
             <a:endParaRPr lang="en-US"/>
           </a:p>
@@ -281,37 +281,38 @@
           <a:p>
             <a:pPr lvl="0"/>
             <a:r>
-              <a:rPr lang="en-US"/>
+              <a:rPr lang="en-US" smtClean="0"/>
               <a:t>Click to edit Master text styles</a:t>
             </a:r>
           </a:p>
           <a:p>
             <a:pPr lvl="1"/>
             <a:r>
-              <a:rPr lang="en-US"/>
+              <a:rPr lang="en-US" smtClean="0"/>
               <a:t>Second level</a:t>
             </a:r>
           </a:p>
           <a:p>
             <a:pPr lvl="2"/>
             <a:r>
-              <a:rPr lang="en-US"/>
+              <a:rPr lang="en-US" smtClean="0"/>
               <a:t>Third level</a:t>
             </a:r>
           </a:p>
           <a:p>
             <a:pPr lvl="3"/>
             <a:r>
-              <a:rPr lang="en-US"/>
+              <a:rPr lang="en-US" smtClean="0"/>
               <a:t>Fourth level</a:t>
             </a:r>
           </a:p>
           <a:p>
             <a:pPr lvl="4"/>
             <a:r>
-              <a:rPr lang="en-US"/>
+              <a:rPr lang="en-US" smtClean="0"/>
               <a:t>Fifth level</a:t>
             </a:r>
+            <a:endParaRPr lang="en-US"/>
           </a:p>
         </p:txBody>
       </p:sp>
@@ -375,7 +376,7 @@
           <a:p>
             <a:fld id="{A73AA322-BA17-4461-B828-4227A78FA6DD}" type="slidenum">
               <a:rPr lang="en-US" smtClean="0"/>
-              <a:t>‹Nº›</a:t>
+              <a:t>‹#›</a:t>
             </a:fld>
             <a:endParaRPr lang="en-US"/>
           </a:p>
@@ -630,7 +631,7 @@
               <a:defRPr/>
             </a:pPr>
             <a:r>
-              <a:rPr lang="en-US" sz="1200" b="1" i="0" kern="1200" dirty="0" err="1">
+              <a:rPr lang="en-US" sz="1200" b="1" i="0" kern="1200" dirty="0" err="1" smtClean="0">
                 <a:solidFill>
                   <a:schemeClr val="tx1"/>
                 </a:solidFill>
@@ -642,7 +643,7 @@
               <a:t>Significado</a:t>
             </a:r>
             <a:r>
-              <a:rPr lang="en-US" sz="1200" b="1" i="0" kern="1200" dirty="0">
+              <a:rPr lang="en-US" sz="1200" b="1" i="0" kern="1200" dirty="0" smtClean="0">
                 <a:solidFill>
                   <a:schemeClr val="tx1"/>
                 </a:solidFill>
@@ -656,16 +657,16 @@
           </a:p>
           <a:p>
             <a:r>
-              <a:rPr lang="en-US" dirty="0"/>
+              <a:rPr lang="en-US" dirty="0" smtClean="0"/>
               <a:t>https://www.significados.com/http/</a:t>
             </a:r>
           </a:p>
           <a:p>
-            <a:endParaRPr lang="en-US" dirty="0"/>
-          </a:p>
-          <a:p>
-            <a:r>
-              <a:rPr lang="es-ES" sz="1200" b="0" i="0" kern="1200" dirty="0">
+            <a:endParaRPr lang="en-US" dirty="0" smtClean="0"/>
+          </a:p>
+          <a:p>
+            <a:r>
+              <a:rPr lang="es-ES" sz="1200" b="0" i="0" kern="1200" dirty="0" smtClean="0">
                 <a:solidFill>
                   <a:schemeClr val="tx1"/>
                 </a:solidFill>
@@ -677,7 +678,7 @@
               <a:t>El HTTP es una de las </a:t>
             </a:r>
             <a:r>
-              <a:rPr lang="es-ES" sz="1200" b="1" i="0" kern="1200" dirty="0">
+              <a:rPr lang="es-ES" sz="1200" b="1" i="0" kern="1200" dirty="0" smtClean="0">
                 <a:solidFill>
                   <a:schemeClr val="tx1"/>
                 </a:solidFill>
@@ -689,7 +690,7 @@
               <a:t>3 tecnologías básicas desarrolladas para la creación de la web</a:t>
             </a:r>
             <a:r>
-              <a:rPr lang="es-ES" sz="1200" b="0" i="0" kern="1200" dirty="0">
+              <a:rPr lang="es-ES" sz="1200" b="0" i="0" kern="1200" dirty="0" smtClean="0">
                 <a:solidFill>
                   <a:schemeClr val="tx1"/>
                 </a:solidFill>
@@ -701,7 +702,7 @@
               <a:t> en el año 1990 por Tim </a:t>
             </a:r>
             <a:r>
-              <a:rPr lang="es-ES" sz="1200" b="0" i="0" kern="1200" dirty="0" err="1">
+              <a:rPr lang="es-ES" sz="1200" b="0" i="0" kern="1200" dirty="0" err="1" smtClean="0">
                 <a:solidFill>
                   <a:schemeClr val="tx1"/>
                 </a:solidFill>
@@ -713,7 +714,7 @@
               <a:t>Berners</a:t>
             </a:r>
             <a:r>
-              <a:rPr lang="es-ES" sz="1200" b="0" i="0" kern="1200" dirty="0">
+              <a:rPr lang="es-ES" sz="1200" b="0" i="0" kern="1200" dirty="0" smtClean="0">
                 <a:solidFill>
                   <a:schemeClr val="tx1"/>
                 </a:solidFill>
@@ -826,7 +827,7 @@
               <a:defRPr/>
             </a:pPr>
             <a:r>
-              <a:rPr lang="en-US" sz="1200" b="1" i="0" kern="1200" dirty="0" err="1">
+              <a:rPr lang="en-US" sz="1200" b="1" i="0" kern="1200" dirty="0" err="1" smtClean="0">
                 <a:solidFill>
                   <a:schemeClr val="tx1"/>
                 </a:solidFill>
@@ -838,7 +839,7 @@
               <a:t>Qué</a:t>
             </a:r>
             <a:r>
-              <a:rPr lang="en-US" sz="1200" b="1" i="0" kern="1200" dirty="0">
+              <a:rPr lang="en-US" sz="1200" b="1" i="0" kern="1200" dirty="0" smtClean="0">
                 <a:solidFill>
                   <a:schemeClr val="tx1"/>
                 </a:solidFill>
@@ -850,7 +851,7 @@
               <a:t> </a:t>
             </a:r>
             <a:r>
-              <a:rPr lang="en-US" sz="1200" b="1" i="0" kern="1200" dirty="0" err="1">
+              <a:rPr lang="en-US" sz="1200" b="1" i="0" kern="1200" dirty="0" err="1" smtClean="0">
                 <a:solidFill>
                   <a:schemeClr val="tx1"/>
                 </a:solidFill>
@@ -862,7 +863,7 @@
               <a:t>es</a:t>
             </a:r>
             <a:r>
-              <a:rPr lang="en-US" sz="1200" b="1" i="0" kern="1200" dirty="0">
+              <a:rPr lang="en-US" sz="1200" b="1" i="0" kern="1200" dirty="0" smtClean="0">
                 <a:solidFill>
                   <a:schemeClr val="tx1"/>
                 </a:solidFill>
@@ -874,7 +875,7 @@
               <a:t> URL</a:t>
             </a:r>
             <a:r>
-              <a:rPr lang="en-US" b="1" dirty="0"/>
+              <a:rPr lang="en-US" b="1" dirty="0" smtClean="0"/>
               <a:t>?</a:t>
             </a:r>
           </a:p>
@@ -897,7 +898,7 @@
               <a:defRPr/>
             </a:pPr>
             <a:r>
-              <a:rPr lang="en-US" b="0" dirty="0"/>
+              <a:rPr lang="en-US" b="0" dirty="0" smtClean="0"/>
               <a:t>https://www.significados.com/url/</a:t>
             </a:r>
           </a:p>
@@ -919,7 +920,7 @@
               <a:tabLst/>
               <a:defRPr/>
             </a:pPr>
-            <a:endParaRPr lang="en-US" b="0" dirty="0"/>
+            <a:endParaRPr lang="en-US" b="0" dirty="0" smtClean="0"/>
           </a:p>
           <a:p>
             <a:pPr marL="0" marR="0" lvl="0" indent="0" algn="l" defTabSz="914400" rtl="0" eaLnBrk="1" fontAlgn="auto" latinLnBrk="0" hangingPunct="1">
@@ -940,18 +941,18 @@
               <a:defRPr/>
             </a:pPr>
             <a:r>
-              <a:rPr lang="es-ES" dirty="0"/>
+              <a:rPr lang="es-ES" dirty="0" smtClean="0"/>
               <a:t>Así, hay un URL para cada uno de los recursos (páginas, sitios, documentos, archivos, carpetas) que hay en la </a:t>
             </a:r>
             <a:r>
-              <a:rPr lang="es-ES" dirty="0" err="1"/>
+              <a:rPr lang="es-ES" dirty="0" err="1" smtClean="0"/>
               <a:t>World</a:t>
             </a:r>
             <a:r>
-              <a:rPr lang="es-ES" dirty="0"/>
+              <a:rPr lang="es-ES" dirty="0" smtClean="0"/>
               <a:t> Wide Web.</a:t>
             </a:r>
-            <a:endParaRPr lang="en-US" dirty="0"/>
+            <a:endParaRPr lang="en-US" dirty="0" smtClean="0"/>
           </a:p>
           <a:p>
             <a:pPr marL="0" marR="0" lvl="0" indent="0" algn="l" defTabSz="914400" rtl="0" eaLnBrk="1" fontAlgn="auto" latinLnBrk="0" hangingPunct="1">
@@ -971,7 +972,7 @@
               <a:tabLst/>
               <a:defRPr/>
             </a:pPr>
-            <a:endParaRPr lang="en-US" b="0" dirty="0"/>
+            <a:endParaRPr lang="en-US" b="0" dirty="0" smtClean="0"/>
           </a:p>
           <a:p>
             <a:pPr marL="0" marR="0" lvl="0" indent="0" algn="l" defTabSz="914400" rtl="0" eaLnBrk="1" fontAlgn="auto" latinLnBrk="0" hangingPunct="1">
@@ -992,7 +993,7 @@
               <a:defRPr/>
             </a:pPr>
             <a:r>
-              <a:rPr lang="es-ES" sz="1200" b="0" i="0" kern="1200" dirty="0">
+              <a:rPr lang="es-ES" sz="1200" b="0" i="0" kern="1200" dirty="0" smtClean="0">
                 <a:solidFill>
                   <a:schemeClr val="tx1"/>
                 </a:solidFill>
@@ -1004,7 +1005,7 @@
               <a:t>El URL fue creado por </a:t>
             </a:r>
             <a:r>
-              <a:rPr lang="es-ES" sz="1200" b="1" i="0" kern="1200" dirty="0">
+              <a:rPr lang="es-ES" sz="1200" b="1" i="0" kern="1200" dirty="0" smtClean="0">
                 <a:solidFill>
                   <a:schemeClr val="tx1"/>
                 </a:solidFill>
@@ -1016,7 +1017,7 @@
               <a:t>Tim </a:t>
             </a:r>
             <a:r>
-              <a:rPr lang="es-ES" sz="1200" b="1" i="0" kern="1200" dirty="0" err="1">
+              <a:rPr lang="es-ES" sz="1200" b="1" i="0" kern="1200" dirty="0" err="1" smtClean="0">
                 <a:solidFill>
                   <a:schemeClr val="tx1"/>
                 </a:solidFill>
@@ -1028,7 +1029,7 @@
               <a:t>Berners</a:t>
             </a:r>
             <a:r>
-              <a:rPr lang="es-ES" sz="1200" b="1" i="0" kern="1200" dirty="0">
+              <a:rPr lang="es-ES" sz="1200" b="1" i="0" kern="1200" dirty="0" smtClean="0">
                 <a:solidFill>
                   <a:schemeClr val="tx1"/>
                 </a:solidFill>
@@ -1040,7 +1041,7 @@
               <a:t>-Lee</a:t>
             </a:r>
             <a:r>
-              <a:rPr lang="es-ES" sz="1200" b="0" i="0" kern="1200" dirty="0">
+              <a:rPr lang="es-ES" sz="1200" b="0" i="0" kern="1200" dirty="0" smtClean="0">
                 <a:solidFill>
                   <a:schemeClr val="tx1"/>
                 </a:solidFill>
@@ -1052,7 +1053,7 @@
               <a:t> y usado por primera vez en 1991. No obstante, a partir de 1994, el concepto de URI (</a:t>
             </a:r>
             <a:r>
-              <a:rPr lang="es-ES" sz="1200" b="0" i="1" kern="1200" dirty="0" err="1">
+              <a:rPr lang="es-ES" sz="1200" b="0" i="1" kern="1200" dirty="0" err="1" smtClean="0">
                 <a:solidFill>
                   <a:schemeClr val="tx1"/>
                 </a:solidFill>
@@ -1064,7 +1065,7 @@
               <a:t>Uniform</a:t>
             </a:r>
             <a:r>
-              <a:rPr lang="es-ES" sz="1200" b="0" i="1" kern="1200" dirty="0">
+              <a:rPr lang="es-ES" sz="1200" b="0" i="1" kern="1200" dirty="0" smtClean="0">
                 <a:solidFill>
                   <a:schemeClr val="tx1"/>
                 </a:solidFill>
@@ -1076,7 +1077,7 @@
               <a:t> </a:t>
             </a:r>
             <a:r>
-              <a:rPr lang="es-ES" sz="1200" b="0" i="1" kern="1200" dirty="0" err="1">
+              <a:rPr lang="es-ES" sz="1200" b="0" i="1" kern="1200" dirty="0" err="1" smtClean="0">
                 <a:solidFill>
                   <a:schemeClr val="tx1"/>
                 </a:solidFill>
@@ -1088,7 +1089,7 @@
               <a:t>Resource</a:t>
             </a:r>
             <a:r>
-              <a:rPr lang="es-ES" sz="1200" b="0" i="1" kern="1200" dirty="0">
+              <a:rPr lang="es-ES" sz="1200" b="0" i="1" kern="1200" dirty="0" smtClean="0">
                 <a:solidFill>
                   <a:schemeClr val="tx1"/>
                 </a:solidFill>
@@ -1100,7 +1101,7 @@
               <a:t> </a:t>
             </a:r>
             <a:r>
-              <a:rPr lang="es-ES" sz="1200" b="0" i="1" kern="1200" dirty="0" err="1">
+              <a:rPr lang="es-ES" sz="1200" b="0" i="1" kern="1200" dirty="0" err="1" smtClean="0">
                 <a:solidFill>
                   <a:schemeClr val="tx1"/>
                 </a:solidFill>
@@ -1112,7 +1113,7 @@
               <a:t>Identifier</a:t>
             </a:r>
             <a:r>
-              <a:rPr lang="es-ES" sz="1200" b="0" i="0" kern="1200" dirty="0">
+              <a:rPr lang="es-ES" sz="1200" b="0" i="0" kern="1200" dirty="0" smtClean="0">
                 <a:solidFill>
                   <a:schemeClr val="tx1"/>
                 </a:solidFill>
@@ -1142,7 +1143,7 @@
               <a:tabLst/>
               <a:defRPr/>
             </a:pPr>
-            <a:endParaRPr lang="es-ES" sz="1200" b="0" i="0" kern="1200" dirty="0">
+            <a:endParaRPr lang="es-ES" sz="1200" b="0" i="0" kern="1200" dirty="0" smtClean="0">
               <a:solidFill>
                 <a:schemeClr val="tx1"/>
               </a:solidFill>
@@ -1155,7 +1156,7 @@
           <a:p>
             <a:pPr fontAlgn="t"/>
             <a:r>
-              <a:rPr lang="es-ES" sz="1200" b="0" i="0" kern="1200" dirty="0">
+              <a:rPr lang="es-ES" sz="1200" b="0" i="0" kern="1200" dirty="0" smtClean="0">
                 <a:solidFill>
                   <a:schemeClr val="tx1"/>
                 </a:solidFill>
@@ -1167,7 +1168,7 @@
               <a:t>La web es el </a:t>
             </a:r>
             <a:r>
-              <a:rPr lang="es-ES" sz="1200" b="1" i="0" kern="1200" dirty="0">
+              <a:rPr lang="es-ES" sz="1200" b="1" i="0" kern="1200" dirty="0" smtClean="0">
                 <a:solidFill>
                   <a:schemeClr val="tx1"/>
                 </a:solidFill>
@@ -1179,7 +1180,7 @@
               <a:t>diminutivo de </a:t>
             </a:r>
             <a:r>
-              <a:rPr lang="es-ES" sz="1200" b="1" i="1" kern="1200" dirty="0" err="1">
+              <a:rPr lang="es-ES" sz="1200" b="1" i="1" kern="1200" dirty="0" err="1" smtClean="0">
                 <a:solidFill>
                   <a:schemeClr val="tx1"/>
                 </a:solidFill>
@@ -1191,7 +1192,7 @@
               <a:t>world</a:t>
             </a:r>
             <a:r>
-              <a:rPr lang="es-ES" sz="1200" b="1" i="1" kern="1200" dirty="0">
+              <a:rPr lang="es-ES" sz="1200" b="1" i="1" kern="1200" dirty="0" smtClean="0">
                 <a:solidFill>
                   <a:schemeClr val="tx1"/>
                 </a:solidFill>
@@ -1203,7 +1204,7 @@
               <a:t> </a:t>
             </a:r>
             <a:r>
-              <a:rPr lang="es-ES" sz="1200" b="1" i="1" kern="1200" dirty="0" err="1">
+              <a:rPr lang="es-ES" sz="1200" b="1" i="1" kern="1200" dirty="0" err="1" smtClean="0">
                 <a:solidFill>
                   <a:schemeClr val="tx1"/>
                 </a:solidFill>
@@ -1215,7 +1216,7 @@
               <a:t>wide</a:t>
             </a:r>
             <a:r>
-              <a:rPr lang="es-ES" sz="1200" b="1" i="1" kern="1200" dirty="0">
+              <a:rPr lang="es-ES" sz="1200" b="1" i="1" kern="1200" dirty="0" smtClean="0">
                 <a:solidFill>
                   <a:schemeClr val="tx1"/>
                 </a:solidFill>
@@ -1227,7 +1228,7 @@
               <a:t> web</a:t>
             </a:r>
             <a:r>
-              <a:rPr lang="es-ES" sz="1200" b="1" i="0" kern="1200" dirty="0">
+              <a:rPr lang="es-ES" sz="1200" b="1" i="0" kern="1200" dirty="0" smtClean="0">
                 <a:solidFill>
                   <a:schemeClr val="tx1"/>
                 </a:solidFill>
@@ -1239,7 +1240,7 @@
               <a:t> o www</a:t>
             </a:r>
             <a:r>
-              <a:rPr lang="es-ES" sz="1200" b="0" i="0" kern="1200" dirty="0">
+              <a:rPr lang="es-ES" sz="1200" b="0" i="0" kern="1200" dirty="0" smtClean="0">
                 <a:solidFill>
                   <a:schemeClr val="tx1"/>
                 </a:solidFill>
@@ -1251,7 +1252,7 @@
               <a:t> cuyas tecnologías para su funcionamiento (HTML, URL, HTTP) fueron desarrolladas en el año 1990 por Tim </a:t>
             </a:r>
             <a:r>
-              <a:rPr lang="es-ES" sz="1200" b="0" i="0" kern="1200" dirty="0" err="1">
+              <a:rPr lang="es-ES" sz="1200" b="0" i="0" kern="1200" dirty="0" err="1" smtClean="0">
                 <a:solidFill>
                   <a:schemeClr val="tx1"/>
                 </a:solidFill>
@@ -1263,7 +1264,7 @@
               <a:t>Berners</a:t>
             </a:r>
             <a:r>
-              <a:rPr lang="es-ES" sz="1200" b="0" i="0" kern="1200" dirty="0">
+              <a:rPr lang="es-ES" sz="1200" b="0" i="0" kern="1200" dirty="0" smtClean="0">
                 <a:solidFill>
                   <a:schemeClr val="tx1"/>
                 </a:solidFill>
@@ -1275,7 +1276,7 @@
               <a:t> Lee. Para usar la web es necesario tener </a:t>
             </a:r>
             <a:r>
-              <a:rPr lang="es-ES" sz="1200" b="1" i="0" kern="1200" dirty="0">
+              <a:rPr lang="es-ES" sz="1200" b="1" i="0" kern="1200" dirty="0" smtClean="0">
                 <a:solidFill>
                   <a:schemeClr val="tx1"/>
                 </a:solidFill>
@@ -1287,7 +1288,7 @@
               <a:t>acceso a internet y un navegador web</a:t>
             </a:r>
             <a:r>
-              <a:rPr lang="es-ES" sz="1200" b="0" i="0" kern="1200" dirty="0">
+              <a:rPr lang="es-ES" sz="1200" b="0" i="0" kern="1200" dirty="0" smtClean="0">
                 <a:solidFill>
                   <a:schemeClr val="tx1"/>
                 </a:solidFill>
@@ -1403,7 +1404,7 @@
           <a:p>
             <a:pPr fontAlgn="t"/>
             <a:r>
-              <a:rPr lang="es-ES" sz="1200" b="1" i="0" kern="1200" dirty="0">
+              <a:rPr lang="es-ES" sz="1200" b="1" i="0" kern="1200" dirty="0" smtClean="0">
                 <a:solidFill>
                   <a:schemeClr val="tx1"/>
                 </a:solidFill>
@@ -1418,7 +1419,7 @@
           <a:p>
             <a:pPr fontAlgn="t"/>
             <a:r>
-              <a:rPr lang="es-ES" sz="1200" b="0" i="0" kern="1200" dirty="0">
+              <a:rPr lang="es-ES" sz="1200" b="0" i="0" kern="1200" dirty="0" smtClean="0">
                 <a:solidFill>
                   <a:schemeClr val="tx1"/>
                 </a:solidFill>
@@ -1430,7 +1431,7 @@
               <a:t>El hipertexto, por otro lado, es un conjunto estructurado de textos, gráficos, imágenes o sonidos unidos entre sí por enlaces o vínculos (</a:t>
             </a:r>
             <a:r>
-              <a:rPr lang="es-ES" sz="1200" b="0" i="1" kern="1200" dirty="0">
+              <a:rPr lang="es-ES" sz="1200" b="0" i="1" kern="1200" dirty="0" smtClean="0">
                 <a:solidFill>
                   <a:schemeClr val="tx1"/>
                 </a:solidFill>
@@ -1442,7 +1443,7 @@
               <a:t>links</a:t>
             </a:r>
             <a:r>
-              <a:rPr lang="es-ES" sz="1200" b="0" i="0" kern="1200" dirty="0">
+              <a:rPr lang="es-ES" sz="1200" b="0" i="0" kern="1200" dirty="0" smtClean="0">
                 <a:solidFill>
                   <a:schemeClr val="tx1"/>
                 </a:solidFill>
@@ -1455,39 +1456,40 @@
             </a:r>
           </a:p>
           <a:p>
+            <a:endParaRPr lang="en-US" dirty="0" smtClean="0"/>
+          </a:p>
+          <a:p>
+            <a:r>
+              <a:rPr lang="en-US" b="1" dirty="0" smtClean="0"/>
+              <a:t>Que </a:t>
+            </a:r>
+            <a:r>
+              <a:rPr lang="en-US" b="1" dirty="0" err="1" smtClean="0"/>
+              <a:t>es</a:t>
+            </a:r>
+            <a:r>
+              <a:rPr lang="en-US" b="1" dirty="0" smtClean="0"/>
+              <a:t> HTML?</a:t>
+            </a:r>
+          </a:p>
+          <a:p>
+            <a:r>
+              <a:rPr lang="en-US" dirty="0" smtClean="0"/>
+              <a:t>https://www.significados.com/html/</a:t>
+            </a:r>
+          </a:p>
+          <a:p>
+            <a:r>
+              <a:rPr lang="en-US" dirty="0" smtClean="0"/>
+              <a:t>https://developer.mozilla.org/es/docs/Web/HTML</a:t>
+            </a:r>
+          </a:p>
+          <a:p>
+            <a:r>
+              <a:rPr lang="en-US" dirty="0" smtClean="0"/>
+              <a:t>https://es.wikipedia.org/wiki/HTML</a:t>
+            </a:r>
             <a:endParaRPr lang="en-US" dirty="0"/>
-          </a:p>
-          <a:p>
-            <a:r>
-              <a:rPr lang="en-US" b="1" dirty="0"/>
-              <a:t>Que </a:t>
-            </a:r>
-            <a:r>
-              <a:rPr lang="en-US" b="1" dirty="0" err="1"/>
-              <a:t>es</a:t>
-            </a:r>
-            <a:r>
-              <a:rPr lang="en-US" b="1" dirty="0"/>
-              <a:t> HTML?</a:t>
-            </a:r>
-          </a:p>
-          <a:p>
-            <a:r>
-              <a:rPr lang="en-US" dirty="0"/>
-              <a:t>https://www.significados.com/html/</a:t>
-            </a:r>
-          </a:p>
-          <a:p>
-            <a:r>
-              <a:rPr lang="en-US" dirty="0"/>
-              <a:t>https://developer.mozilla.org/es/docs/Web/HTML</a:t>
-            </a:r>
-          </a:p>
-          <a:p>
-            <a:r>
-              <a:rPr lang="en-US" dirty="0"/>
-              <a:t>https://es.wikipedia.org/wiki/HTML</a:t>
-            </a:r>
           </a:p>
         </p:txBody>
       </p:sp>
@@ -1592,7 +1594,7 @@
           <a:p>
             <a:fld id="{A73AA322-BA17-4461-B828-4227A78FA6DD}" type="slidenum">
               <a:rPr lang="en-US" smtClean="0"/>
-              <a:t>6</a:t>
+              <a:t>5</a:t>
             </a:fld>
             <a:endParaRPr lang="en-US"/>
           </a:p>
@@ -1728,7 +1730,7 @@
           </a:lstStyle>
           <a:p>
             <a:r>
-              <a:rPr lang="en-US"/>
+              <a:rPr lang="en-US" smtClean="0"/>
               <a:t>Click to edit Master title style</a:t>
             </a:r>
             <a:endParaRPr lang="es-CO"/>
@@ -1847,7 +1849,7 @@
           </a:lstStyle>
           <a:p>
             <a:r>
-              <a:rPr lang="en-US"/>
+              <a:rPr lang="en-US" smtClean="0"/>
               <a:t>Click to edit Master subtitle style</a:t>
             </a:r>
             <a:endParaRPr lang="es-CO"/>
@@ -1872,7 +1874,7 @@
             <a:fld id="{EE425855-FD75-467C-BECD-0927F9A0E82A}" type="datetimeFigureOut">
               <a:rPr lang="es-CO" smtClean="0"/>
               <a:pPr/>
-              <a:t>24/08/2023</a:t>
+              <a:t>11/09/2022</a:t>
             </a:fld>
             <a:endParaRPr lang="es-CO"/>
           </a:p>
@@ -1915,7 +1917,7 @@
             <a:fld id="{E5D669A4-F8EA-4CFD-8D90-0DDD4F3E3638}" type="slidenum">
               <a:rPr lang="es-CO" smtClean="0"/>
               <a:pPr/>
-              <a:t>‹Nº›</a:t>
+              <a:t>‹#›</a:t>
             </a:fld>
             <a:endParaRPr lang="es-CO"/>
           </a:p>
@@ -1926,6 +1928,13 @@
   <p:clrMapOvr>
     <a:masterClrMapping/>
   </p:clrMapOvr>
+  <p:timing>
+    <p:tnLst>
+      <p:par>
+        <p:cTn id="1" dur="indefinite" restart="never" nodeType="tmRoot"/>
+      </p:par>
+    </p:tnLst>
+  </p:timing>
 </p:sldLayout>
 </file>
 
@@ -2046,7 +2055,7 @@
           </a:lstStyle>
           <a:p>
             <a:r>
-              <a:rPr lang="en-US"/>
+              <a:rPr lang="en-US" smtClean="0"/>
               <a:t>Click to edit Master title style</a:t>
             </a:r>
             <a:endParaRPr lang="es-CO"/>
@@ -2165,7 +2174,7 @@
           </a:lstStyle>
           <a:p>
             <a:r>
-              <a:rPr lang="en-US"/>
+              <a:rPr lang="en-US" smtClean="0"/>
               <a:t>Click to edit Master subtitle style</a:t>
             </a:r>
             <a:endParaRPr lang="es-CO"/>
@@ -2190,7 +2199,7 @@
             <a:fld id="{EE425855-FD75-467C-BECD-0927F9A0E82A}" type="datetimeFigureOut">
               <a:rPr lang="es-CO" smtClean="0"/>
               <a:pPr/>
-              <a:t>24/08/2023</a:t>
+              <a:t>11/09/2022</a:t>
             </a:fld>
             <a:endParaRPr lang="es-CO"/>
           </a:p>
@@ -2233,7 +2242,7 @@
             <a:fld id="{E5D669A4-F8EA-4CFD-8D90-0DDD4F3E3638}" type="slidenum">
               <a:rPr lang="es-CO" smtClean="0"/>
               <a:pPr/>
-              <a:t>‹Nº›</a:t>
+              <a:t>‹#›</a:t>
             </a:fld>
             <a:endParaRPr lang="es-CO"/>
           </a:p>
@@ -2244,6 +2253,13 @@
   <p:clrMapOvr>
     <a:masterClrMapping/>
   </p:clrMapOvr>
+  <p:timing>
+    <p:tnLst>
+      <p:par>
+        <p:cTn id="1" dur="indefinite" restart="never" nodeType="tmRoot"/>
+      </p:par>
+    </p:tnLst>
+  </p:timing>
 </p:sldLayout>
 </file>
 
@@ -2344,7 +2360,7 @@
           <a:lstStyle/>
           <a:p>
             <a:r>
-              <a:rPr lang="en-US"/>
+              <a:rPr lang="en-US" smtClean="0"/>
               <a:t>Click to edit Master title style</a:t>
             </a:r>
             <a:endParaRPr lang="es-CO"/>
@@ -2368,35 +2384,35 @@
           <a:p>
             <a:pPr lvl="0"/>
             <a:r>
-              <a:rPr lang="en-US"/>
+              <a:rPr lang="en-US" smtClean="0"/>
               <a:t>Click to edit Master text styles</a:t>
             </a:r>
           </a:p>
           <a:p>
             <a:pPr lvl="1"/>
             <a:r>
-              <a:rPr lang="en-US"/>
+              <a:rPr lang="en-US" smtClean="0"/>
               <a:t>Second level</a:t>
             </a:r>
           </a:p>
           <a:p>
             <a:pPr lvl="2"/>
             <a:r>
-              <a:rPr lang="en-US"/>
+              <a:rPr lang="en-US" smtClean="0"/>
               <a:t>Third level</a:t>
             </a:r>
           </a:p>
           <a:p>
             <a:pPr lvl="3"/>
             <a:r>
-              <a:rPr lang="en-US"/>
+              <a:rPr lang="en-US" smtClean="0"/>
               <a:t>Fourth level</a:t>
             </a:r>
           </a:p>
           <a:p>
             <a:pPr lvl="4"/>
             <a:r>
-              <a:rPr lang="en-US"/>
+              <a:rPr lang="en-US" smtClean="0"/>
               <a:t>Fifth level</a:t>
             </a:r>
             <a:endParaRPr lang="es-CO"/>
@@ -2421,7 +2437,7 @@
             <a:fld id="{EE425855-FD75-467C-BECD-0927F9A0E82A}" type="datetimeFigureOut">
               <a:rPr lang="es-CO" smtClean="0"/>
               <a:pPr/>
-              <a:t>24/08/2023</a:t>
+              <a:t>11/09/2022</a:t>
             </a:fld>
             <a:endParaRPr lang="es-CO"/>
           </a:p>
@@ -2464,7 +2480,7 @@
             <a:fld id="{E5D669A4-F8EA-4CFD-8D90-0DDD4F3E3638}" type="slidenum">
               <a:rPr lang="es-CO" smtClean="0"/>
               <a:pPr/>
-              <a:t>‹Nº›</a:t>
+              <a:t>‹#›</a:t>
             </a:fld>
             <a:endParaRPr lang="es-CO"/>
           </a:p>
@@ -2575,7 +2591,7 @@
           <a:lstStyle/>
           <a:p>
             <a:r>
-              <a:rPr lang="en-US"/>
+              <a:rPr lang="en-US" smtClean="0"/>
               <a:t>Click to edit Master title style</a:t>
             </a:r>
             <a:endParaRPr lang="es-CO"/>
@@ -2599,35 +2615,35 @@
           <a:p>
             <a:pPr lvl="0"/>
             <a:r>
-              <a:rPr lang="en-US"/>
+              <a:rPr lang="en-US" smtClean="0"/>
               <a:t>Click to edit Master text styles</a:t>
             </a:r>
           </a:p>
           <a:p>
             <a:pPr lvl="1"/>
             <a:r>
-              <a:rPr lang="en-US"/>
+              <a:rPr lang="en-US" smtClean="0"/>
               <a:t>Second level</a:t>
             </a:r>
           </a:p>
           <a:p>
             <a:pPr lvl="2"/>
             <a:r>
-              <a:rPr lang="en-US"/>
+              <a:rPr lang="en-US" smtClean="0"/>
               <a:t>Third level</a:t>
             </a:r>
           </a:p>
           <a:p>
             <a:pPr lvl="3"/>
             <a:r>
-              <a:rPr lang="en-US"/>
+              <a:rPr lang="en-US" smtClean="0"/>
               <a:t>Fourth level</a:t>
             </a:r>
           </a:p>
           <a:p>
             <a:pPr lvl="4"/>
             <a:r>
-              <a:rPr lang="en-US"/>
+              <a:rPr lang="en-US" smtClean="0"/>
               <a:t>Fifth level</a:t>
             </a:r>
             <a:endParaRPr lang="es-CO"/>
@@ -2652,7 +2668,7 @@
             <a:fld id="{EE425855-FD75-467C-BECD-0927F9A0E82A}" type="datetimeFigureOut">
               <a:rPr lang="es-CO" smtClean="0"/>
               <a:pPr/>
-              <a:t>24/08/2023</a:t>
+              <a:t>11/09/2022</a:t>
             </a:fld>
             <a:endParaRPr lang="es-CO"/>
           </a:p>
@@ -2695,7 +2711,7 @@
             <a:fld id="{E5D669A4-F8EA-4CFD-8D90-0DDD4F3E3638}" type="slidenum">
               <a:rPr lang="es-CO" smtClean="0"/>
               <a:pPr/>
-              <a:t>‹Nº›</a:t>
+              <a:t>‹#›</a:t>
             </a:fld>
             <a:endParaRPr lang="es-CO"/>
           </a:p>
@@ -2806,7 +2822,7 @@
           <a:lstStyle/>
           <a:p>
             <a:r>
-              <a:rPr lang="en-US"/>
+              <a:rPr lang="en-US" smtClean="0"/>
               <a:t>Click to edit Master title style</a:t>
             </a:r>
             <a:endParaRPr lang="es-CO"/>
@@ -2830,35 +2846,35 @@
           <a:p>
             <a:pPr lvl="0"/>
             <a:r>
-              <a:rPr lang="en-US"/>
+              <a:rPr lang="en-US" smtClean="0"/>
               <a:t>Click to edit Master text styles</a:t>
             </a:r>
           </a:p>
           <a:p>
             <a:pPr lvl="1"/>
             <a:r>
-              <a:rPr lang="en-US"/>
+              <a:rPr lang="en-US" smtClean="0"/>
               <a:t>Second level</a:t>
             </a:r>
           </a:p>
           <a:p>
             <a:pPr lvl="2"/>
             <a:r>
-              <a:rPr lang="en-US"/>
+              <a:rPr lang="en-US" smtClean="0"/>
               <a:t>Third level</a:t>
             </a:r>
           </a:p>
           <a:p>
             <a:pPr lvl="3"/>
             <a:r>
-              <a:rPr lang="en-US"/>
+              <a:rPr lang="en-US" smtClean="0"/>
               <a:t>Fourth level</a:t>
             </a:r>
           </a:p>
           <a:p>
             <a:pPr lvl="4"/>
             <a:r>
-              <a:rPr lang="en-US"/>
+              <a:rPr lang="en-US" smtClean="0"/>
               <a:t>Fifth level</a:t>
             </a:r>
             <a:endParaRPr lang="es-CO"/>
@@ -2883,7 +2899,7 @@
             <a:fld id="{EE425855-FD75-467C-BECD-0927F9A0E82A}" type="datetimeFigureOut">
               <a:rPr lang="es-CO" smtClean="0"/>
               <a:pPr/>
-              <a:t>24/08/2023</a:t>
+              <a:t>11/09/2022</a:t>
             </a:fld>
             <a:endParaRPr lang="es-CO"/>
           </a:p>
@@ -2926,7 +2942,7 @@
             <a:fld id="{E5D669A4-F8EA-4CFD-8D90-0DDD4F3E3638}" type="slidenum">
               <a:rPr lang="es-CO" smtClean="0"/>
               <a:pPr/>
-              <a:t>‹Nº›</a:t>
+              <a:t>‹#›</a:t>
             </a:fld>
             <a:endParaRPr lang="es-CO"/>
           </a:p>
@@ -3001,6 +3017,13 @@
   <p:clrMapOvr>
     <a:masterClrMapping/>
   </p:clrMapOvr>
+  <p:timing>
+    <p:tnLst>
+      <p:par>
+        <p:cTn id="1" dur="indefinite" restart="never" nodeType="tmRoot"/>
+      </p:par>
+    </p:tnLst>
+  </p:timing>
 </p:sldLayout>
 </file>
 
@@ -3052,7 +3075,7 @@
           <a:lstStyle/>
           <a:p>
             <a:r>
-              <a:rPr lang="en-US"/>
+              <a:rPr lang="en-US" smtClean="0"/>
               <a:t>Click to edit Master title style</a:t>
             </a:r>
             <a:endParaRPr lang="es-CO"/>
@@ -3086,35 +3109,35 @@
           <a:p>
             <a:pPr lvl="0"/>
             <a:r>
-              <a:rPr lang="en-US" dirty="0"/>
+              <a:rPr lang="en-US" dirty="0" smtClean="0"/>
               <a:t>Click to edit Master text styles</a:t>
             </a:r>
           </a:p>
           <a:p>
             <a:pPr lvl="1"/>
             <a:r>
-              <a:rPr lang="en-US" dirty="0"/>
+              <a:rPr lang="en-US" dirty="0" smtClean="0"/>
               <a:t>Second level</a:t>
             </a:r>
           </a:p>
           <a:p>
             <a:pPr lvl="2"/>
             <a:r>
-              <a:rPr lang="en-US" dirty="0"/>
+              <a:rPr lang="en-US" dirty="0" smtClean="0"/>
               <a:t>Third level</a:t>
             </a:r>
           </a:p>
           <a:p>
             <a:pPr lvl="3"/>
             <a:r>
-              <a:rPr lang="en-US" dirty="0"/>
+              <a:rPr lang="en-US" dirty="0" smtClean="0"/>
               <a:t>Fourth level</a:t>
             </a:r>
           </a:p>
           <a:p>
             <a:pPr lvl="4"/>
             <a:r>
-              <a:rPr lang="en-US" dirty="0"/>
+              <a:rPr lang="en-US" dirty="0" smtClean="0"/>
               <a:t>Fifth level</a:t>
             </a:r>
             <a:endParaRPr lang="es-CO" dirty="0"/>
@@ -3157,7 +3180,7 @@
             <a:fld id="{EE425855-FD75-467C-BECD-0927F9A0E82A}" type="datetimeFigureOut">
               <a:rPr lang="es-CO" smtClean="0"/>
               <a:pPr/>
-              <a:t>24/08/2023</a:t>
+              <a:t>11/09/2022</a:t>
             </a:fld>
             <a:endParaRPr lang="es-CO"/>
           </a:p>
@@ -3236,7 +3259,7 @@
             <a:fld id="{E5D669A4-F8EA-4CFD-8D90-0DDD4F3E3638}" type="slidenum">
               <a:rPr lang="es-CO" smtClean="0"/>
               <a:pPr/>
-              <a:t>‹Nº›</a:t>
+              <a:t>‹#›</a:t>
             </a:fld>
             <a:endParaRPr lang="es-CO"/>
           </a:p>
@@ -3252,6 +3275,13 @@
     <p:sldLayoutId id="2147483652" r:id="rId4"/>
     <p:sldLayoutId id="2147483653" r:id="rId5"/>
   </p:sldLayoutIdLst>
+  <p:timing>
+    <p:tnLst>
+      <p:par>
+        <p:cTn id="1" dur="indefinite" restart="never" nodeType="tmRoot"/>
+      </p:par>
+    </p:tnLst>
+  </p:timing>
   <p:txStyles>
     <p:titleStyle>
       <a:lvl1pPr algn="l" defTabSz="914400" rtl="0" eaLnBrk="1" latinLnBrk="0" hangingPunct="1">
@@ -3558,11 +3588,11 @@
           <a:lstStyle/>
           <a:p>
             <a:r>
-              <a:rPr lang="es-CO" sz="8000" dirty="0"/>
+              <a:rPr lang="es-CO" sz="8000" dirty="0" smtClean="0"/>
               <a:t>Web </a:t>
             </a:r>
             <a:r>
-              <a:rPr lang="es-CO" sz="8000" dirty="0" err="1"/>
+              <a:rPr lang="es-CO" sz="8000" dirty="0" err="1" smtClean="0"/>
               <a:t>Development</a:t>
             </a:r>
             <a:endParaRPr lang="es-CO" sz="8000" dirty="0"/>
@@ -3590,9 +3620,10 @@
           <a:lstStyle/>
           <a:p>
             <a:r>
-              <a:rPr lang="es-CO" dirty="0"/>
+              <a:rPr lang="es-CO" dirty="0" smtClean="0"/>
               <a:t>HTML Basic</a:t>
             </a:r>
+            <a:endParaRPr lang="es-CO" dirty="0"/>
           </a:p>
         </p:txBody>
       </p:sp>
@@ -3619,9 +3650,10 @@
           <a:lstStyle/>
           <a:p>
             <a:r>
-              <a:rPr lang="es-CO" dirty="0"/>
+              <a:rPr lang="es-CO" dirty="0" smtClean="0"/>
               <a:t>Julio Cesar Robles Uribe</a:t>
             </a:r>
+            <a:endParaRPr lang="es-CO" dirty="0"/>
           </a:p>
         </p:txBody>
       </p:sp>
@@ -3648,13 +3680,18 @@
           <a:lstStyle/>
           <a:p>
             <a:r>
-              <a:rPr lang="es-CO" sz="1400" dirty="0">
+              <a:rPr lang="es-CO" sz="1400" dirty="0" smtClean="0">
                 <a:solidFill>
                   <a:srgbClr val="0070C0"/>
                 </a:solidFill>
               </a:rPr>
               <a:t>Arquitecto de Soluciones</a:t>
             </a:r>
+            <a:endParaRPr lang="es-CO" sz="1400" dirty="0">
+              <a:solidFill>
+                <a:srgbClr val="0070C0"/>
+              </a:solidFill>
+            </a:endParaRPr>
           </a:p>
         </p:txBody>
       </p:sp>
@@ -3704,6 +3741,13 @@
   <p:clrMapOvr>
     <a:masterClrMapping/>
   </p:clrMapOvr>
+  <p:timing>
+    <p:tnLst>
+      <p:par>
+        <p:cTn id="1" dur="indefinite" restart="never" nodeType="tmRoot"/>
+      </p:par>
+    </p:tnLst>
+  </p:timing>
 </p:sld>
 </file>
 
@@ -3762,7 +3806,7 @@
           <a:p>
             <a:pPr algn="ctr"/>
             <a:r>
-              <a:rPr lang="en-US" sz="6600" b="1" cap="all" dirty="0">
+              <a:rPr lang="en-US" sz="6600" b="1" cap="all" dirty="0" smtClean="0">
                 <a:ln w="0"/>
                 <a:solidFill>
                   <a:srgbClr val="0066CC">
@@ -3776,6 +3820,18 @@
               </a:rPr>
               <a:t>Gracias!!!</a:t>
             </a:r>
+            <a:endParaRPr lang="en-US" sz="6600" b="1" cap="all" dirty="0">
+              <a:ln w="0"/>
+              <a:solidFill>
+                <a:srgbClr val="0066CC">
+                  <a:alpha val="74000"/>
+                </a:srgbClr>
+              </a:solidFill>
+              <a:effectLst>
+                <a:reflection blurRad="12700" stA="50000" endPos="50000" dist="5000" dir="5400000" sy="-100000" rotWithShape="0"/>
+              </a:effectLst>
+              <a:latin typeface="Berlin Sans FB Demi" pitchFamily="34" charset="0"/>
+            </a:endParaRPr>
           </a:p>
         </p:txBody>
       </p:sp>
@@ -3784,6 +3840,13 @@
   <p:clrMapOvr>
     <a:masterClrMapping/>
   </p:clrMapOvr>
+  <p:timing>
+    <p:tnLst>
+      <p:par>
+        <p:cTn id="1" dur="indefinite" restart="never" nodeType="tmRoot"/>
+      </p:par>
+    </p:tnLst>
+  </p:timing>
 </p:sld>
 </file>
 
@@ -3820,17 +3883,18 @@
           <a:lstStyle/>
           <a:p>
             <a:r>
-              <a:rPr lang="en-US" dirty="0"/>
+              <a:rPr lang="en-US" dirty="0" smtClean="0"/>
               <a:t>Que </a:t>
             </a:r>
             <a:r>
-              <a:rPr lang="en-US" dirty="0" err="1"/>
+              <a:rPr lang="en-US" dirty="0" err="1" smtClean="0"/>
               <a:t>es</a:t>
             </a:r>
             <a:r>
-              <a:rPr lang="en-US" dirty="0"/>
+              <a:rPr lang="en-US" dirty="0" smtClean="0"/>
               <a:t> HTTP?</a:t>
             </a:r>
+            <a:endParaRPr lang="en-US" dirty="0"/>
           </a:p>
         </p:txBody>
       </p:sp>
@@ -3881,11 +3945,16 @@
               <a:rPr lang="es-ES" dirty="0"/>
               <a:t>. </a:t>
             </a:r>
-          </a:p>
-          <a:p>
+            <a:endParaRPr lang="es-ES" dirty="0" smtClean="0"/>
+          </a:p>
+          <a:p>
+            <a:r>
+              <a:rPr lang="es-ES" dirty="0" smtClean="0"/>
+              <a:t>HTTP </a:t>
+            </a:r>
             <a:r>
               <a:rPr lang="es-ES" dirty="0"/>
-              <a:t>HTTP son las siglas para </a:t>
+              <a:t>son las siglas para </a:t>
             </a:r>
             <a:r>
               <a:rPr lang="es-ES" b="1" dirty="0" err="1">
@@ -3924,7 +3993,7 @@
               <a:t>protocolo de transferencia de hipertextos</a:t>
             </a:r>
             <a:r>
-              <a:rPr lang="es-ES" dirty="0"/>
+              <a:rPr lang="es-ES" dirty="0" smtClean="0"/>
               <a:t>”.</a:t>
             </a:r>
           </a:p>
@@ -4035,21 +4104,22 @@
           <a:lstStyle/>
           <a:p>
             <a:r>
-              <a:rPr lang="en-US" dirty="0" err="1"/>
+              <a:rPr lang="en-US" dirty="0" err="1" smtClean="0"/>
               <a:t>Qué</a:t>
             </a:r>
             <a:r>
-              <a:rPr lang="en-US" dirty="0"/>
+              <a:rPr lang="en-US" dirty="0" smtClean="0"/>
               <a:t> </a:t>
             </a:r>
             <a:r>
-              <a:rPr lang="en-US" dirty="0" err="1"/>
+              <a:rPr lang="en-US" dirty="0" err="1" smtClean="0"/>
               <a:t>es</a:t>
             </a:r>
             <a:r>
-              <a:rPr lang="en-US" dirty="0"/>
+              <a:rPr lang="en-US" dirty="0" smtClean="0"/>
               <a:t> URL/URI?</a:t>
             </a:r>
+            <a:endParaRPr lang="en-US" dirty="0"/>
           </a:p>
         </p:txBody>
       </p:sp>
@@ -4115,7 +4185,7 @@
               <a:t> </a:t>
             </a:r>
             <a:r>
-              <a:rPr lang="es-ES" b="1" dirty="0" err="1">
+              <a:rPr lang="es-ES" b="1" dirty="0" err="1" smtClean="0">
                 <a:solidFill>
                   <a:srgbClr val="0070C0"/>
                 </a:solidFill>
@@ -4123,7 +4193,7 @@
               <a:t>Locator</a:t>
             </a:r>
             <a:r>
-              <a:rPr lang="es-ES" b="1" dirty="0">
+              <a:rPr lang="es-ES" b="1" dirty="0" smtClean="0">
                 <a:solidFill>
                   <a:srgbClr val="0070C0"/>
                 </a:solidFill>
@@ -4131,7 +4201,7 @@
               <a:t>/</a:t>
             </a:r>
             <a:r>
-              <a:rPr lang="es-ES" b="1" dirty="0" err="1">
+              <a:rPr lang="es-ES" b="1" dirty="0" err="1" smtClean="0">
                 <a:solidFill>
                   <a:srgbClr val="0070C0"/>
                 </a:solidFill>
@@ -4139,20 +4209,28 @@
               <a:t>Identifier</a:t>
             </a:r>
             <a:r>
+              <a:rPr lang="es-ES" dirty="0" smtClean="0"/>
+              <a:t>, </a:t>
+            </a:r>
+            <a:r>
               <a:rPr lang="es-ES" dirty="0"/>
-              <a:t>, que en español significa </a:t>
+              <a:t>que en español significa </a:t>
+            </a:r>
+            <a:r>
+              <a:rPr lang="es-ES" b="1" dirty="0" smtClean="0"/>
+              <a:t>Identificador</a:t>
+            </a:r>
+            <a:r>
+              <a:rPr lang="es-ES" dirty="0" smtClean="0"/>
+              <a:t>/</a:t>
+            </a:r>
+            <a:r>
+              <a:rPr lang="es-ES" b="1" dirty="0" smtClean="0"/>
+              <a:t>Localizador </a:t>
             </a:r>
             <a:r>
               <a:rPr lang="es-ES" b="1" dirty="0"/>
-              <a:t>Identificador</a:t>
-            </a:r>
-            <a:r>
-              <a:rPr lang="es-ES" dirty="0"/>
-              <a:t>/</a:t>
-            </a:r>
-            <a:r>
-              <a:rPr lang="es-ES" b="1" dirty="0"/>
-              <a:t>Localizador Uniforme de Recursos</a:t>
+              <a:t>Uniforme de Recursos</a:t>
             </a:r>
             <a:r>
               <a:rPr lang="es-ES" dirty="0"/>
@@ -4161,8 +4239,12 @@
           </a:p>
           <a:p>
             <a:r>
+              <a:rPr lang="es-ES" dirty="0" smtClean="0"/>
+              <a:t>Como </a:t>
+            </a:r>
+            <a:r>
               <a:rPr lang="es-ES" dirty="0"/>
-              <a:t>Como tal, el </a:t>
+              <a:t>tal, el </a:t>
             </a:r>
             <a:r>
               <a:rPr lang="es-ES" b="1" dirty="0">
@@ -4208,6 +4290,7 @@
               <a:rPr lang="es-ES" dirty="0"/>
               <a:t>disponibles en la red con la finalidad de que estos puedan ser localizados o identificados. </a:t>
             </a:r>
+            <a:endParaRPr lang="es-ES" dirty="0" smtClean="0"/>
           </a:p>
         </p:txBody>
       </p:sp>
@@ -4281,21 +4364,22 @@
           <a:lstStyle/>
           <a:p>
             <a:r>
-              <a:rPr lang="en-US" dirty="0" err="1"/>
+              <a:rPr lang="en-US" dirty="0" err="1" smtClean="0"/>
               <a:t>Qué</a:t>
             </a:r>
             <a:r>
-              <a:rPr lang="en-US" dirty="0"/>
+              <a:rPr lang="en-US" dirty="0" smtClean="0"/>
               <a:t> </a:t>
             </a:r>
             <a:r>
-              <a:rPr lang="en-US" dirty="0" err="1"/>
+              <a:rPr lang="en-US" dirty="0" err="1" smtClean="0"/>
               <a:t>es</a:t>
             </a:r>
             <a:r>
-              <a:rPr lang="en-US" dirty="0"/>
+              <a:rPr lang="en-US" dirty="0" smtClean="0"/>
               <a:t> HTML?</a:t>
             </a:r>
+            <a:endParaRPr lang="en-US" dirty="0"/>
           </a:p>
         </p:txBody>
       </p:sp>
@@ -4360,7 +4444,19 @@
             </a:r>
             <a:r>
               <a:rPr lang="es-ES" dirty="0"/>
-              <a:t> lo cual significa “</a:t>
+              <a:t> lo cual significa </a:t>
+            </a:r>
+            <a:r>
+              <a:rPr lang="es-ES" dirty="0" smtClean="0"/>
+              <a:t>“</a:t>
+            </a:r>
+            <a:r>
+              <a:rPr lang="es-ES" b="1" dirty="0" smtClean="0">
+                <a:solidFill>
+                  <a:srgbClr val="00B050"/>
+                </a:solidFill>
+              </a:rPr>
+              <a:t>lenguaje </a:t>
             </a:r>
             <a:r>
               <a:rPr lang="es-ES" b="1" dirty="0">
@@ -4368,29 +4464,69 @@
                   <a:srgbClr val="00B050"/>
                 </a:solidFill>
               </a:rPr>
-              <a:t>lenguaje de marcado de hipertexto</a:t>
+              <a:t>de </a:t>
+            </a:r>
+            <a:r>
+              <a:rPr lang="es-ES" b="1" dirty="0" smtClean="0">
+                <a:solidFill>
+                  <a:srgbClr val="00B050"/>
+                </a:solidFill>
+              </a:rPr>
+              <a:t>marcado </a:t>
+            </a:r>
+            <a:r>
+              <a:rPr lang="es-ES" b="1" dirty="0">
+                <a:solidFill>
+                  <a:srgbClr val="00B050"/>
+                </a:solidFill>
+              </a:rPr>
+              <a:t>de </a:t>
+            </a:r>
+            <a:r>
+              <a:rPr lang="es-ES" b="1" dirty="0" smtClean="0">
+                <a:solidFill>
+                  <a:srgbClr val="00B050"/>
+                </a:solidFill>
+              </a:rPr>
+              <a:t>hipertexto</a:t>
+            </a:r>
+            <a:r>
+              <a:rPr lang="es-ES" dirty="0" smtClean="0"/>
+              <a:t>”</a:t>
+            </a:r>
+          </a:p>
+          <a:p>
+            <a:r>
+              <a:rPr lang="es-ES" dirty="0" smtClean="0"/>
+              <a:t>Se </a:t>
             </a:r>
             <a:r>
               <a:rPr lang="es-ES" dirty="0"/>
-              <a:t>”</a:t>
-            </a:r>
-          </a:p>
-          <a:p>
+              <a:t>basa en un lenguaje de marcas </a:t>
+            </a:r>
+            <a:r>
+              <a:rPr lang="es-ES" dirty="0" smtClean="0"/>
+              <a:t>(</a:t>
+            </a:r>
+            <a:r>
+              <a:rPr lang="es-ES" b="1" dirty="0" err="1" smtClean="0">
+                <a:solidFill>
+                  <a:schemeClr val="accent2"/>
+                </a:solidFill>
+              </a:rPr>
+              <a:t>TAGs</a:t>
+            </a:r>
+            <a:r>
+              <a:rPr lang="es-ES" dirty="0" smtClean="0"/>
+              <a:t> o Etiquetas) para </a:t>
+            </a:r>
             <a:r>
               <a:rPr lang="es-ES" dirty="0"/>
-              <a:t>Se basa en un lenguaje de marcas (</a:t>
-            </a:r>
-            <a:r>
-              <a:rPr lang="es-ES" b="1" dirty="0" err="1">
-                <a:solidFill>
-                  <a:schemeClr val="accent2"/>
-                </a:solidFill>
-              </a:rPr>
-              <a:t>TAGs</a:t>
-            </a:r>
-            <a:r>
-              <a:rPr lang="es-ES" dirty="0"/>
-              <a:t> o Etiquetas) para crear documentos que puedan ser distribuidos por Internet.</a:t>
+              <a:t>crear documentos que puedan ser distribuidos por </a:t>
+            </a:r>
+            <a:r>
+              <a:rPr lang="es-ES" dirty="0" smtClean="0"/>
+              <a:t>Internet.</a:t>
             </a:r>
           </a:p>
           <a:p>
@@ -4424,7 +4560,7 @@
           <a:lstStyle/>
           <a:p>
             <a:r>
-              <a:rPr lang="en-US" sz="6000" b="1" dirty="0">
+              <a:rPr lang="en-US" sz="6000" b="1" dirty="0" smtClean="0">
                 <a:solidFill>
                   <a:schemeClr val="tx2"/>
                 </a:solidFill>
@@ -4434,7 +4570,7 @@
               <a:t>&lt;</a:t>
             </a:r>
             <a:r>
-              <a:rPr lang="en-US" sz="6000" b="1" dirty="0">
+              <a:rPr lang="en-US" sz="6000" b="1" dirty="0" smtClean="0">
                 <a:solidFill>
                   <a:schemeClr val="accent2"/>
                 </a:solidFill>
@@ -4444,7 +4580,7 @@
               <a:t>HTML</a:t>
             </a:r>
             <a:r>
-              <a:rPr lang="en-US" sz="6000" b="1" dirty="0">
+              <a:rPr lang="en-US" sz="6000" b="1" dirty="0" smtClean="0">
                 <a:solidFill>
                   <a:schemeClr val="tx2"/>
                 </a:solidFill>
@@ -4453,6 +4589,13 @@
               </a:rPr>
               <a:t>&gt;</a:t>
             </a:r>
+            <a:endParaRPr lang="en-US" sz="6000" b="1" dirty="0">
+              <a:solidFill>
+                <a:schemeClr val="tx2"/>
+              </a:solidFill>
+              <a:latin typeface="Courier New" panose="02070309020205020404" pitchFamily="49" charset="0"/>
+              <a:cs typeface="Courier New" panose="02070309020205020404" pitchFamily="49" charset="0"/>
+            </a:endParaRPr>
           </a:p>
         </p:txBody>
       </p:sp>
@@ -4502,8 +4645,20 @@
           <a:lstStyle/>
           <a:p>
             <a:r>
-              <a:rPr lang="en-US" dirty="0" err="1"/>
-              <a:t>Tablas</a:t>
+              <a:rPr lang="en-US" dirty="0" err="1" smtClean="0"/>
+              <a:t>Elementos</a:t>
+            </a:r>
+            <a:r>
+              <a:rPr lang="en-US" dirty="0" smtClean="0"/>
+              <a:t> </a:t>
+            </a:r>
+            <a:r>
+              <a:rPr lang="en-US" dirty="0" err="1" smtClean="0"/>
+              <a:t>Básicos</a:t>
+            </a:r>
+            <a:r>
+              <a:rPr lang="en-US" dirty="0" smtClean="0"/>
+              <a:t> </a:t>
             </a:r>
             <a:endParaRPr lang="en-US" dirty="0"/>
           </a:p>
@@ -4525,77 +4680,45 @@
           <a:lstStyle/>
           <a:p>
             <a:r>
-              <a:rPr lang="en-US" b="1" dirty="0"/>
-              <a:t>Table</a:t>
-            </a:r>
-          </a:p>
-          <a:p>
-            <a:pPr lvl="1"/>
-            <a:r>
               <a:rPr lang="en-US" dirty="0"/>
-              <a:t>Table Row (</a:t>
-            </a:r>
-            <a:r>
-              <a:rPr lang="en-US" b="1" dirty="0" err="1"/>
-              <a:t>tr</a:t>
+              <a:t>!</a:t>
+            </a:r>
+            <a:r>
+              <a:rPr lang="en-US" dirty="0" err="1"/>
+              <a:t>DOCType</a:t>
             </a:r>
             <a:r>
               <a:rPr lang="en-US" dirty="0"/>
-              <a:t>)</a:t>
-            </a:r>
-          </a:p>
-          <a:p>
-            <a:pPr lvl="1"/>
-            <a:r>
-              <a:rPr lang="en-US" dirty="0"/>
-              <a:t>Table Header (</a:t>
-            </a:r>
-            <a:r>
-              <a:rPr lang="en-US" b="1" dirty="0" err="1"/>
-              <a:t>th</a:t>
-            </a:r>
-            <a:r>
-              <a:rPr lang="en-US" dirty="0"/>
-              <a:t>)</a:t>
-            </a:r>
-          </a:p>
-          <a:p>
-            <a:pPr lvl="1"/>
-            <a:r>
-              <a:rPr lang="en-US" dirty="0"/>
-              <a:t>Table Data (</a:t>
-            </a:r>
-            <a:r>
-              <a:rPr lang="en-US" b="1" dirty="0"/>
-              <a:t>td</a:t>
-            </a:r>
-            <a:r>
-              <a:rPr lang="en-US" dirty="0"/>
-              <a:t>)</a:t>
-            </a:r>
-          </a:p>
-          <a:p>
-            <a:r>
-              <a:rPr lang="en-US" dirty="0"/>
-              <a:t>Border, </a:t>
-            </a:r>
-            <a:r>
-              <a:rPr lang="en-US" dirty="0" err="1"/>
-              <a:t>cellpadding</a:t>
-            </a:r>
-            <a:r>
-              <a:rPr lang="en-US" dirty="0"/>
-              <a:t>, </a:t>
-            </a:r>
-            <a:r>
-              <a:rPr lang="en-US" dirty="0" err="1"/>
-              <a:t>cellspacing</a:t>
-            </a:r>
-            <a:endParaRPr lang="en-US" dirty="0"/>
-          </a:p>
-          <a:p>
-            <a:pPr lvl="1"/>
-            <a:endParaRPr lang="en-US" dirty="0"/>
+              <a:t> html</a:t>
+            </a:r>
+          </a:p>
+          <a:p>
+            <a:r>
+              <a:rPr lang="en-US" dirty="0" smtClean="0"/>
+              <a:t>html</a:t>
+            </a:r>
+          </a:p>
+          <a:p>
+            <a:r>
+              <a:rPr lang="en-US" dirty="0" smtClean="0"/>
+              <a:t>head</a:t>
+            </a:r>
+          </a:p>
+          <a:p>
+            <a:r>
+              <a:rPr lang="en-US" dirty="0" smtClean="0"/>
+              <a:t>body</a:t>
+            </a:r>
+          </a:p>
+          <a:p>
+            <a:r>
+              <a:rPr lang="en-US" smtClean="0"/>
+              <a:t>Title</a:t>
+            </a:r>
+            <a:endParaRPr lang="en-US" dirty="0" smtClean="0"/>
+          </a:p>
+          <a:p>
+            <a:endParaRPr lang="en-US" dirty="0" smtClean="0"/>
           </a:p>
           <a:p>
             <a:endParaRPr lang="en-US" dirty="0"/>
@@ -4605,7 +4728,7 @@
     </p:spTree>
     <p:extLst>
       <p:ext uri="{BB962C8B-B14F-4D97-AF65-F5344CB8AC3E}">
-        <p14:creationId xmlns:p14="http://schemas.microsoft.com/office/powerpoint/2010/main" val="2115049399"/>
+        <p14:creationId xmlns:p14="http://schemas.microsoft.com/office/powerpoint/2010/main" val="1313329567"/>
       </p:ext>
     </p:extLst>
   </p:cSld>
@@ -4648,79 +4771,186 @@
           <a:lstStyle/>
           <a:p>
             <a:r>
-              <a:rPr lang="en-US" dirty="0" err="1"/>
-              <a:t>Elementos</a:t>
+              <a:rPr lang="en-US" dirty="0" err="1" smtClean="0"/>
+              <a:t>Listas</a:t>
+            </a:r>
+            <a:r>
+              <a:rPr lang="en-US" dirty="0" smtClean="0"/>
+              <a:t>, </a:t>
+            </a:r>
+            <a:r>
+              <a:rPr lang="en-US" dirty="0" err="1" smtClean="0"/>
+              <a:t>Parrafos</a:t>
+            </a:r>
+            <a:r>
+              <a:rPr lang="en-US" dirty="0" smtClean="0"/>
+              <a:t>, </a:t>
+            </a:r>
+            <a:r>
+              <a:rPr lang="en-US" dirty="0" err="1" smtClean="0"/>
+              <a:t>Textos</a:t>
+            </a:r>
+            <a:r>
+              <a:rPr lang="en-US" dirty="0" smtClean="0"/>
+              <a:t> y </a:t>
+            </a:r>
+            <a:r>
+              <a:rPr lang="en-US" dirty="0" err="1" smtClean="0"/>
+              <a:t>Estilos</a:t>
+            </a:r>
+            <a:endParaRPr lang="en-US" dirty="0"/>
+          </a:p>
+        </p:txBody>
+      </p:sp>
+      <p:sp>
+        <p:nvSpPr>
+          <p:cNvPr id="3" name="Content Placeholder 2"/>
+          <p:cNvSpPr>
+            <a:spLocks noGrp="1"/>
+          </p:cNvSpPr>
+          <p:nvPr>
+            <p:ph idx="1"/>
+          </p:nvPr>
+        </p:nvSpPr>
+        <p:spPr/>
+        <p:txBody>
+          <a:bodyPr>
+            <a:normAutofit lnSpcReduction="10000"/>
+          </a:bodyPr>
+          <a:lstStyle/>
+          <a:p>
+            <a:r>
+              <a:rPr lang="en-US" dirty="0" smtClean="0"/>
+              <a:t>Lists</a:t>
+            </a:r>
+          </a:p>
+          <a:p>
+            <a:pPr lvl="1"/>
+            <a:r>
+              <a:rPr lang="en-US" dirty="0" smtClean="0"/>
+              <a:t>Unordered </a:t>
             </a:r>
             <a:r>
               <a:rPr lang="en-US" dirty="0"/>
-              <a:t> </a:t>
-            </a:r>
-            <a:r>
-              <a:rPr lang="en-US" dirty="0" err="1"/>
-              <a:t>Básicos</a:t>
+              <a:t>List </a:t>
+            </a:r>
+            <a:r>
+              <a:rPr lang="en-US" dirty="0" smtClean="0"/>
+              <a:t>(</a:t>
+            </a:r>
+            <a:r>
+              <a:rPr lang="en-US" b="1" dirty="0" err="1" smtClean="0"/>
+              <a:t>ul</a:t>
+            </a:r>
+            <a:r>
+              <a:rPr lang="en-US" b="1" dirty="0" smtClean="0"/>
+              <a:t>)</a:t>
+            </a:r>
+            <a:r>
+              <a:rPr lang="en-US" dirty="0" smtClean="0"/>
+              <a:t>:.  (li: List Item)</a:t>
+            </a:r>
+          </a:p>
+          <a:p>
+            <a:pPr lvl="1"/>
+            <a:r>
+              <a:rPr lang="en-US" dirty="0" smtClean="0"/>
+              <a:t>Ordered </a:t>
             </a:r>
             <a:r>
               <a:rPr lang="en-US" dirty="0"/>
-              <a:t> </a:t>
-            </a:r>
-          </a:p>
-        </p:txBody>
-      </p:sp>
-      <p:sp>
-        <p:nvSpPr>
-          <p:cNvPr id="3" name="Content Placeholder 2"/>
-          <p:cNvSpPr>
-            <a:spLocks noGrp="1"/>
-          </p:cNvSpPr>
-          <p:nvPr>
-            <p:ph idx="1"/>
-          </p:nvPr>
-        </p:nvSpPr>
-        <p:spPr/>
-        <p:txBody>
-          <a:bodyPr/>
-          <a:lstStyle/>
-          <a:p>
-            <a:r>
-              <a:rPr lang="en-US" dirty="0"/>
-              <a:t>!</a:t>
-            </a:r>
-            <a:r>
-              <a:rPr lang="en-US" dirty="0" err="1"/>
-              <a:t>DOCType</a:t>
-            </a:r>
-            <a:r>
-              <a:rPr lang="en-US" dirty="0"/>
-              <a:t> html</a:t>
-            </a:r>
-          </a:p>
-          <a:p>
-            <a:r>
-              <a:rPr lang="en-US" dirty="0"/>
-              <a:t>html</a:t>
-            </a:r>
-          </a:p>
-          <a:p>
-            <a:r>
-              <a:rPr lang="en-US" dirty="0"/>
-              <a:t>head</a:t>
-            </a:r>
-          </a:p>
-          <a:p>
-            <a:r>
-              <a:rPr lang="en-US" dirty="0"/>
-              <a:t>body</a:t>
-            </a:r>
-          </a:p>
-          <a:p>
-            <a:r>
-              <a:rPr lang="en-US"/>
-              <a:t>Title</a:t>
-            </a:r>
-            <a:endParaRPr lang="en-US" dirty="0"/>
-          </a:p>
-          <a:p>
-            <a:endParaRPr lang="en-US" dirty="0"/>
+              <a:t>List </a:t>
+            </a:r>
+            <a:r>
+              <a:rPr lang="en-US" dirty="0" smtClean="0"/>
+              <a:t>(</a:t>
+            </a:r>
+            <a:r>
+              <a:rPr lang="en-US" b="1" dirty="0" err="1" smtClean="0"/>
+              <a:t>ol</a:t>
+            </a:r>
+            <a:r>
+              <a:rPr lang="en-US" dirty="0" smtClean="0"/>
+              <a:t>): (li – List Item)</a:t>
+            </a:r>
+          </a:p>
+          <a:p>
+            <a:r>
+              <a:rPr lang="en-US" dirty="0" smtClean="0"/>
+              <a:t>Anchor (</a:t>
+            </a:r>
+            <a:r>
+              <a:rPr lang="en-US" b="1" dirty="0" smtClean="0"/>
+              <a:t>a</a:t>
+            </a:r>
+            <a:r>
+              <a:rPr lang="en-US" dirty="0" smtClean="0"/>
+              <a:t>  </a:t>
+            </a:r>
+            <a:r>
+              <a:rPr lang="en-US" dirty="0" err="1" smtClean="0"/>
+              <a:t>href</a:t>
+            </a:r>
+            <a:r>
+              <a:rPr lang="en-US" dirty="0" smtClean="0"/>
+              <a:t>)</a:t>
+            </a:r>
+          </a:p>
+          <a:p>
+            <a:r>
+              <a:rPr lang="en-US" dirty="0" smtClean="0"/>
+              <a:t>Back Return (</a:t>
+            </a:r>
+            <a:r>
+              <a:rPr lang="en-US" b="1" dirty="0" err="1" smtClean="0"/>
+              <a:t>br</a:t>
+            </a:r>
+            <a:r>
+              <a:rPr lang="en-US" dirty="0" smtClean="0"/>
+              <a:t>)</a:t>
+            </a:r>
+          </a:p>
+          <a:p>
+            <a:r>
+              <a:rPr lang="en-US" dirty="0" smtClean="0"/>
+              <a:t>Paragraph (</a:t>
+            </a:r>
+            <a:r>
+              <a:rPr lang="en-US" b="1" dirty="0" smtClean="0"/>
+              <a:t>p</a:t>
+            </a:r>
+            <a:r>
+              <a:rPr lang="en-US" dirty="0" smtClean="0"/>
+              <a:t>)</a:t>
+            </a:r>
+          </a:p>
+          <a:p>
+            <a:r>
+              <a:rPr lang="en-US" dirty="0" smtClean="0"/>
+              <a:t>Italic (</a:t>
+            </a:r>
+            <a:r>
+              <a:rPr lang="en-US" b="1" dirty="0" err="1" smtClean="0"/>
+              <a:t>i</a:t>
+            </a:r>
+            <a:r>
+              <a:rPr lang="en-US" dirty="0" smtClean="0"/>
+              <a:t>) </a:t>
+            </a:r>
+          </a:p>
+          <a:p>
+            <a:r>
+              <a:rPr lang="en-US" dirty="0" smtClean="0"/>
+              <a:t>Bold (</a:t>
+            </a:r>
+            <a:r>
+              <a:rPr lang="en-US" b="1" dirty="0" smtClean="0"/>
+              <a:t>b</a:t>
+            </a:r>
+            <a:r>
+              <a:rPr lang="en-US" dirty="0" smtClean="0"/>
+              <a:t>)</a:t>
+            </a:r>
           </a:p>
           <a:p>
             <a:endParaRPr lang="en-US" dirty="0"/>
@@ -4730,7 +4960,7 @@
     </p:spTree>
     <p:extLst>
       <p:ext uri="{BB962C8B-B14F-4D97-AF65-F5344CB8AC3E}">
-        <p14:creationId xmlns:p14="http://schemas.microsoft.com/office/powerpoint/2010/main" val="1313329567"/>
+        <p14:creationId xmlns:p14="http://schemas.microsoft.com/office/powerpoint/2010/main" val="3098769047"/>
       </p:ext>
     </p:extLst>
   </p:cSld>
@@ -4773,109 +5003,42 @@
           <a:lstStyle/>
           <a:p>
             <a:r>
-              <a:rPr lang="en-US" dirty="0" err="1"/>
-              <a:t>Listas</a:t>
-            </a:r>
+              <a:rPr lang="en-US" dirty="0" err="1" smtClean="0"/>
+              <a:t>Tablas</a:t>
+            </a:r>
+            <a:endParaRPr lang="en-US" dirty="0"/>
+          </a:p>
+        </p:txBody>
+      </p:sp>
+      <p:sp>
+        <p:nvSpPr>
+          <p:cNvPr id="3" name="Content Placeholder 2"/>
+          <p:cNvSpPr>
+            <a:spLocks noGrp="1"/>
+          </p:cNvSpPr>
+          <p:nvPr>
+            <p:ph idx="1"/>
+          </p:nvPr>
+        </p:nvSpPr>
+        <p:spPr/>
+        <p:txBody>
+          <a:bodyPr/>
+          <a:lstStyle/>
+          <a:p>
+            <a:r>
+              <a:rPr lang="en-US" b="1" dirty="0" smtClean="0"/>
+              <a:t>Table</a:t>
+            </a:r>
+          </a:p>
+          <a:p>
+            <a:pPr lvl="1"/>
             <a:r>
               <a:rPr lang="en-US" dirty="0"/>
-              <a:t>, </a:t>
-            </a:r>
-            <a:r>
-              <a:rPr lang="en-US" dirty="0" err="1"/>
-              <a:t>Parrafos</a:t>
-            </a:r>
-            <a:r>
-              <a:rPr lang="en-US" dirty="0"/>
-              <a:t>, </a:t>
-            </a:r>
-            <a:r>
-              <a:rPr lang="en-US" dirty="0" err="1"/>
-              <a:t>Textos</a:t>
-            </a:r>
-            <a:r>
-              <a:rPr lang="en-US" dirty="0"/>
-              <a:t> y </a:t>
-            </a:r>
-            <a:r>
-              <a:rPr lang="en-US" dirty="0" err="1"/>
-              <a:t>Estilos</a:t>
-            </a:r>
-            <a:endParaRPr lang="en-US" dirty="0"/>
-          </a:p>
-        </p:txBody>
-      </p:sp>
-      <p:sp>
-        <p:nvSpPr>
-          <p:cNvPr id="3" name="Content Placeholder 2"/>
-          <p:cNvSpPr>
-            <a:spLocks noGrp="1"/>
-          </p:cNvSpPr>
-          <p:nvPr>
-            <p:ph idx="1"/>
-          </p:nvPr>
-        </p:nvSpPr>
-        <p:spPr/>
-        <p:txBody>
-          <a:bodyPr>
-            <a:normAutofit lnSpcReduction="10000"/>
-          </a:bodyPr>
-          <a:lstStyle/>
-          <a:p>
-            <a:r>
-              <a:rPr lang="en-US" dirty="0"/>
-              <a:t>Lists</a:t>
-            </a:r>
-          </a:p>
-          <a:p>
-            <a:pPr lvl="1"/>
-            <a:r>
-              <a:rPr lang="en-US" dirty="0"/>
-              <a:t>Unordered List (</a:t>
+              <a:t>Table Row (</a:t>
             </a:r>
             <a:r>
               <a:rPr lang="en-US" b="1" dirty="0" err="1"/>
-              <a:t>ul</a:t>
-            </a:r>
-            <a:r>
-              <a:rPr lang="en-US" b="1" dirty="0"/>
-              <a:t>)</a:t>
-            </a:r>
-            <a:r>
-              <a:rPr lang="en-US" dirty="0"/>
-              <a:t>:.  (li: List Item)</a:t>
-            </a:r>
-          </a:p>
-          <a:p>
-            <a:pPr lvl="1"/>
-            <a:r>
-              <a:rPr lang="en-US" dirty="0"/>
-              <a:t>Ordered List (</a:t>
-            </a:r>
-            <a:r>
-              <a:rPr lang="en-US" b="1" dirty="0" err="1"/>
-              <a:t>ol</a:t>
-            </a:r>
-            <a:r>
-              <a:rPr lang="en-US" dirty="0"/>
-              <a:t>): (li – List Item)</a:t>
-            </a:r>
-          </a:p>
-          <a:p>
-            <a:r>
-              <a:rPr lang="en-US" dirty="0"/>
-              <a:t>Anchor (</a:t>
-            </a:r>
-            <a:r>
-              <a:rPr lang="en-US" b="1" dirty="0"/>
-              <a:t>a</a:t>
-            </a:r>
-            <a:r>
-              <a:rPr lang="en-US" dirty="0"/>
-              <a:t>  </a:t>
-            </a:r>
-            <a:r>
-              <a:rPr lang="en-US" dirty="0" err="1"/>
-              <a:t>href</a:t>
+              <a:t>tr</a:t>
             </a:r>
             <a:r>
               <a:rPr lang="en-US" dirty="0"/>
@@ -4883,60 +5046,57 @@
             </a:r>
           </a:p>
           <a:p>
-            <a:r>
-              <a:rPr lang="en-US" dirty="0"/>
-              <a:t>Back Return (</a:t>
-            </a:r>
-            <a:r>
-              <a:rPr lang="en-US" b="1" dirty="0" err="1"/>
-              <a:t>br</a:t>
-            </a:r>
-            <a:r>
-              <a:rPr lang="en-US" dirty="0"/>
+            <a:pPr lvl="1"/>
+            <a:r>
+              <a:rPr lang="en-US" dirty="0" smtClean="0"/>
+              <a:t>Table Header (</a:t>
+            </a:r>
+            <a:r>
+              <a:rPr lang="en-US" b="1" dirty="0" err="1" smtClean="0"/>
+              <a:t>th</a:t>
+            </a:r>
+            <a:r>
+              <a:rPr lang="en-US" dirty="0" smtClean="0"/>
               <a:t>)</a:t>
             </a:r>
           </a:p>
           <a:p>
-            <a:r>
-              <a:rPr lang="en-US" dirty="0"/>
-              <a:t>Paragraph (</a:t>
-            </a:r>
-            <a:r>
-              <a:rPr lang="en-US" b="1" dirty="0"/>
-              <a:t>p</a:t>
-            </a:r>
-            <a:r>
-              <a:rPr lang="en-US" dirty="0"/>
+            <a:pPr lvl="1"/>
+            <a:r>
+              <a:rPr lang="en-US" dirty="0" smtClean="0"/>
+              <a:t>Table Data (</a:t>
+            </a:r>
+            <a:r>
+              <a:rPr lang="en-US" b="1" dirty="0" smtClean="0"/>
+              <a:t>td</a:t>
+            </a:r>
+            <a:r>
+              <a:rPr lang="en-US" dirty="0" smtClean="0"/>
               <a:t>)</a:t>
             </a:r>
           </a:p>
           <a:p>
             <a:r>
-              <a:rPr lang="en-US" dirty="0"/>
-              <a:t>Italic (</a:t>
-            </a:r>
-            <a:r>
-              <a:rPr lang="en-US" b="1" dirty="0" err="1"/>
-              <a:t>i</a:t>
-            </a:r>
-            <a:r>
-              <a:rPr lang="en-US" dirty="0"/>
-              <a:t>) </a:t>
-            </a:r>
-          </a:p>
-          <a:p>
-            <a:r>
-              <a:rPr lang="en-US" dirty="0"/>
-              <a:t>Bold (</a:t>
-            </a:r>
-            <a:r>
-              <a:rPr lang="en-US" b="1" dirty="0"/>
-              <a:t>b</a:t>
-            </a:r>
-            <a:r>
-              <a:rPr lang="en-US" dirty="0"/>
-              <a:t>)</a:t>
-            </a:r>
+              <a:rPr lang="en-US" dirty="0" smtClean="0"/>
+              <a:t>Border, </a:t>
+            </a:r>
+            <a:r>
+              <a:rPr lang="en-US" dirty="0" err="1" smtClean="0"/>
+              <a:t>cellpadding</a:t>
+            </a:r>
+            <a:r>
+              <a:rPr lang="en-US" dirty="0" smtClean="0"/>
+              <a:t>, </a:t>
+            </a:r>
+            <a:r>
+              <a:rPr lang="en-US" dirty="0" err="1" smtClean="0"/>
+              <a:t>cellspacing</a:t>
+            </a:r>
+            <a:endParaRPr lang="en-US" dirty="0" smtClean="0"/>
+          </a:p>
+          <a:p>
+            <a:pPr lvl="1"/>
+            <a:endParaRPr lang="en-US" dirty="0" smtClean="0"/>
           </a:p>
           <a:p>
             <a:endParaRPr lang="en-US" dirty="0"/>
@@ -4946,7 +5106,7 @@
     </p:spTree>
     <p:extLst>
       <p:ext uri="{BB962C8B-B14F-4D97-AF65-F5344CB8AC3E}">
-        <p14:creationId xmlns:p14="http://schemas.microsoft.com/office/powerpoint/2010/main" val="3098769047"/>
+        <p14:creationId xmlns:p14="http://schemas.microsoft.com/office/powerpoint/2010/main" val="2115049399"/>
       </p:ext>
     </p:extLst>
   </p:cSld>
@@ -4989,9 +5149,10 @@
           <a:lstStyle/>
           <a:p>
             <a:r>
-              <a:rPr lang="en-US" dirty="0"/>
+              <a:rPr lang="en-US" dirty="0" smtClean="0"/>
               <a:t>Images, Forms, Inputs</a:t>
             </a:r>
+            <a:endParaRPr lang="en-US" dirty="0"/>
           </a:p>
         </p:txBody>
       </p:sp>
@@ -5011,40 +5172,40 @@
           <a:lstStyle/>
           <a:p>
             <a:r>
-              <a:rPr lang="en-US" dirty="0"/>
+              <a:rPr lang="en-US" dirty="0" smtClean="0"/>
               <a:t>Image</a:t>
             </a:r>
           </a:p>
           <a:p>
             <a:r>
-              <a:rPr lang="en-US" dirty="0"/>
+              <a:rPr lang="en-US" dirty="0" smtClean="0"/>
               <a:t>form</a:t>
             </a:r>
           </a:p>
           <a:p>
             <a:r>
-              <a:rPr lang="en-US" dirty="0"/>
+              <a:rPr lang="en-US" dirty="0" smtClean="0"/>
               <a:t>Inputs</a:t>
             </a:r>
           </a:p>
           <a:p>
             <a:pPr lvl="1"/>
             <a:r>
-              <a:rPr lang="en-US" dirty="0"/>
+              <a:rPr lang="en-US" dirty="0" smtClean="0"/>
               <a:t>Button</a:t>
             </a:r>
           </a:p>
           <a:p>
             <a:pPr lvl="1"/>
             <a:r>
-              <a:rPr lang="en-US" dirty="0"/>
+              <a:rPr lang="en-US" dirty="0" smtClean="0"/>
               <a:t>Text</a:t>
             </a:r>
           </a:p>
           <a:p>
             <a:pPr lvl="1"/>
             <a:r>
-              <a:rPr lang="en-US"/>
+              <a:rPr lang="en-US" smtClean="0"/>
               <a:t>password</a:t>
             </a:r>
             <a:endParaRPr lang="en-US" dirty="0"/>
@@ -5098,9 +5259,10 @@
           <a:p>
             <a:pPr algn="ctr"/>
             <a:r>
-              <a:rPr lang="es-CO" dirty="0"/>
+              <a:rPr lang="es-CO" dirty="0" smtClean="0"/>
               <a:t>Preguntas?</a:t>
             </a:r>
+            <a:endParaRPr lang="es-CO" dirty="0"/>
           </a:p>
         </p:txBody>
       </p:sp>
@@ -5135,6 +5297,13 @@
   <p:clrMapOvr>
     <a:masterClrMapping/>
   </p:clrMapOvr>
+  <p:timing>
+    <p:tnLst>
+      <p:par>
+        <p:cTn id="1" dur="indefinite" restart="never" nodeType="tmRoot"/>
+      </p:par>
+    </p:tnLst>
+  </p:timing>
 </p:sld>
 </file>
 
